--- a/Leaflet/One-Page_Version/review/a_openchain_leaflet_20180629.pptx
+++ b/Leaflet/One-Page_Version/review/a_openchain_leaflet_20180629.pptx
@@ -106,7 +106,7 @@
   </p:defaultTextStyle>
   <p:extLst>
     <p:ext uri="{EFAFB233-063F-42B5-8137-9DF3F51BA10A}">
-      <p15:sldGuideLst xmlns:p15="http://schemas.microsoft.com/office/powerpoint/2012/main"/>
+      <p15:sldGuideLst xmlns:p15="http://schemas.microsoft.com/office/powerpoint/2012/main" xmlns=""/>
     </p:ext>
   </p:extLst>
 </p:presentation>
@@ -134,7 +134,7 @@
           <p:cNvPr id="2" name="タイトル 1">
             <a:extLst>
               <a:ext uri="{FF2B5EF4-FFF2-40B4-BE49-F238E27FC236}">
-                <a16:creationId xmlns:a16="http://schemas.microsoft.com/office/drawing/2014/main" id="{D660D6C0-FBCE-42E6-B426-6FA125171F00}"/>
+                <a16:creationId xmlns:a16="http://schemas.microsoft.com/office/drawing/2014/main" xmlns="" id="{D660D6C0-FBCE-42E6-B426-6FA125171F00}"/>
               </a:ext>
             </a:extLst>
           </p:cNvPr>
@@ -171,7 +171,7 @@
           <p:cNvPr id="3" name="字幕 2">
             <a:extLst>
               <a:ext uri="{FF2B5EF4-FFF2-40B4-BE49-F238E27FC236}">
-                <a16:creationId xmlns:a16="http://schemas.microsoft.com/office/drawing/2014/main" id="{E7288A8A-AE2D-447C-8EF7-345CD43D17B2}"/>
+                <a16:creationId xmlns:a16="http://schemas.microsoft.com/office/drawing/2014/main" xmlns="" id="{E7288A8A-AE2D-447C-8EF7-345CD43D17B2}"/>
               </a:ext>
             </a:extLst>
           </p:cNvPr>
@@ -241,7 +241,7 @@
           <p:cNvPr id="4" name="日付プレースホルダー 3">
             <a:extLst>
               <a:ext uri="{FF2B5EF4-FFF2-40B4-BE49-F238E27FC236}">
-                <a16:creationId xmlns:a16="http://schemas.microsoft.com/office/drawing/2014/main" id="{E7647311-1169-4F97-811F-A821395946D9}"/>
+                <a16:creationId xmlns:a16="http://schemas.microsoft.com/office/drawing/2014/main" xmlns="" id="{E7647311-1169-4F97-811F-A821395946D9}"/>
               </a:ext>
             </a:extLst>
           </p:cNvPr>
@@ -259,7 +259,7 @@
           <a:p>
             <a:fld id="{83F10594-1B62-4B90-920A-44E63AFA5E18}" type="datetimeFigureOut">
               <a:rPr kumimoji="1" lang="ja-JP" altLang="en-US" smtClean="0"/>
-              <a:t>2018/6/29</a:t>
+              <a:t>18/07/26</a:t>
             </a:fld>
             <a:endParaRPr kumimoji="1" lang="ja-JP" altLang="en-US"/>
           </a:p>
@@ -270,7 +270,7 @@
           <p:cNvPr id="5" name="フッター プレースホルダー 4">
             <a:extLst>
               <a:ext uri="{FF2B5EF4-FFF2-40B4-BE49-F238E27FC236}">
-                <a16:creationId xmlns:a16="http://schemas.microsoft.com/office/drawing/2014/main" id="{3F691835-DD7E-4C05-AB68-70FE54410AF1}"/>
+                <a16:creationId xmlns:a16="http://schemas.microsoft.com/office/drawing/2014/main" xmlns="" id="{3F691835-DD7E-4C05-AB68-70FE54410AF1}"/>
               </a:ext>
             </a:extLst>
           </p:cNvPr>
@@ -295,7 +295,7 @@
           <p:cNvPr id="6" name="スライド番号プレースホルダー 5">
             <a:extLst>
               <a:ext uri="{FF2B5EF4-FFF2-40B4-BE49-F238E27FC236}">
-                <a16:creationId xmlns:a16="http://schemas.microsoft.com/office/drawing/2014/main" id="{5499D2F6-E21F-4022-8EE5-8BAF283582F2}"/>
+                <a16:creationId xmlns:a16="http://schemas.microsoft.com/office/drawing/2014/main" xmlns="" id="{5499D2F6-E21F-4022-8EE5-8BAF283582F2}"/>
               </a:ext>
             </a:extLst>
           </p:cNvPr>
@@ -354,7 +354,7 @@
           <p:cNvPr id="2" name="タイトル 1">
             <a:extLst>
               <a:ext uri="{FF2B5EF4-FFF2-40B4-BE49-F238E27FC236}">
-                <a16:creationId xmlns:a16="http://schemas.microsoft.com/office/drawing/2014/main" id="{9F9965AA-2ED5-42DC-A41D-CD63CBA05BE9}"/>
+                <a16:creationId xmlns:a16="http://schemas.microsoft.com/office/drawing/2014/main" xmlns="" id="{9F9965AA-2ED5-42DC-A41D-CD63CBA05BE9}"/>
               </a:ext>
             </a:extLst>
           </p:cNvPr>
@@ -382,7 +382,7 @@
           <p:cNvPr id="3" name="縦書きテキスト プレースホルダー 2">
             <a:extLst>
               <a:ext uri="{FF2B5EF4-FFF2-40B4-BE49-F238E27FC236}">
-                <a16:creationId xmlns:a16="http://schemas.microsoft.com/office/drawing/2014/main" id="{9B6998EB-4337-4462-ABEC-CA77A6E630AC}"/>
+                <a16:creationId xmlns:a16="http://schemas.microsoft.com/office/drawing/2014/main" xmlns="" id="{9B6998EB-4337-4462-ABEC-CA77A6E630AC}"/>
               </a:ext>
             </a:extLst>
           </p:cNvPr>
@@ -471,7 +471,7 @@
           <p:cNvPr id="4" name="日付プレースホルダー 3">
             <a:extLst>
               <a:ext uri="{FF2B5EF4-FFF2-40B4-BE49-F238E27FC236}">
-                <a16:creationId xmlns:a16="http://schemas.microsoft.com/office/drawing/2014/main" id="{C678638F-ECF8-4AE4-A047-4C09100AC7B2}"/>
+                <a16:creationId xmlns:a16="http://schemas.microsoft.com/office/drawing/2014/main" xmlns="" id="{C678638F-ECF8-4AE4-A047-4C09100AC7B2}"/>
               </a:ext>
             </a:extLst>
           </p:cNvPr>
@@ -489,7 +489,7 @@
           <a:p>
             <a:fld id="{83F10594-1B62-4B90-920A-44E63AFA5E18}" type="datetimeFigureOut">
               <a:rPr kumimoji="1" lang="ja-JP" altLang="en-US" smtClean="0"/>
-              <a:t>2018/6/29</a:t>
+              <a:t>18/07/26</a:t>
             </a:fld>
             <a:endParaRPr kumimoji="1" lang="ja-JP" altLang="en-US"/>
           </a:p>
@@ -500,7 +500,7 @@
           <p:cNvPr id="5" name="フッター プレースホルダー 4">
             <a:extLst>
               <a:ext uri="{FF2B5EF4-FFF2-40B4-BE49-F238E27FC236}">
-                <a16:creationId xmlns:a16="http://schemas.microsoft.com/office/drawing/2014/main" id="{C6D300A3-2B52-4256-9487-9FDB6EE0CCF5}"/>
+                <a16:creationId xmlns:a16="http://schemas.microsoft.com/office/drawing/2014/main" xmlns="" id="{C6D300A3-2B52-4256-9487-9FDB6EE0CCF5}"/>
               </a:ext>
             </a:extLst>
           </p:cNvPr>
@@ -525,7 +525,7 @@
           <p:cNvPr id="6" name="スライド番号プレースホルダー 5">
             <a:extLst>
               <a:ext uri="{FF2B5EF4-FFF2-40B4-BE49-F238E27FC236}">
-                <a16:creationId xmlns:a16="http://schemas.microsoft.com/office/drawing/2014/main" id="{99B3F3E7-428E-4F44-AF42-F34EE5568E54}"/>
+                <a16:creationId xmlns:a16="http://schemas.microsoft.com/office/drawing/2014/main" xmlns="" id="{99B3F3E7-428E-4F44-AF42-F34EE5568E54}"/>
               </a:ext>
             </a:extLst>
           </p:cNvPr>
@@ -584,7 +584,7 @@
           <p:cNvPr id="2" name="縦書きタイトル 1">
             <a:extLst>
               <a:ext uri="{FF2B5EF4-FFF2-40B4-BE49-F238E27FC236}">
-                <a16:creationId xmlns:a16="http://schemas.microsoft.com/office/drawing/2014/main" id="{527F9870-C4BE-4832-9F6C-542872B1BB6F}"/>
+                <a16:creationId xmlns:a16="http://schemas.microsoft.com/office/drawing/2014/main" xmlns="" id="{527F9870-C4BE-4832-9F6C-542872B1BB6F}"/>
               </a:ext>
             </a:extLst>
           </p:cNvPr>
@@ -617,7 +617,7 @@
           <p:cNvPr id="3" name="縦書きテキスト プレースホルダー 2">
             <a:extLst>
               <a:ext uri="{FF2B5EF4-FFF2-40B4-BE49-F238E27FC236}">
-                <a16:creationId xmlns:a16="http://schemas.microsoft.com/office/drawing/2014/main" id="{04B1F036-2C2B-4A2B-855D-1C0574A799AD}"/>
+                <a16:creationId xmlns:a16="http://schemas.microsoft.com/office/drawing/2014/main" xmlns="" id="{04B1F036-2C2B-4A2B-855D-1C0574A799AD}"/>
               </a:ext>
             </a:extLst>
           </p:cNvPr>
@@ -711,7 +711,7 @@
           <p:cNvPr id="4" name="日付プレースホルダー 3">
             <a:extLst>
               <a:ext uri="{FF2B5EF4-FFF2-40B4-BE49-F238E27FC236}">
-                <a16:creationId xmlns:a16="http://schemas.microsoft.com/office/drawing/2014/main" id="{F0E4B36C-189E-4564-8CEC-F8D16EA3C3F2}"/>
+                <a16:creationId xmlns:a16="http://schemas.microsoft.com/office/drawing/2014/main" xmlns="" id="{F0E4B36C-189E-4564-8CEC-F8D16EA3C3F2}"/>
               </a:ext>
             </a:extLst>
           </p:cNvPr>
@@ -729,7 +729,7 @@
           <a:p>
             <a:fld id="{83F10594-1B62-4B90-920A-44E63AFA5E18}" type="datetimeFigureOut">
               <a:rPr kumimoji="1" lang="ja-JP" altLang="en-US" smtClean="0"/>
-              <a:t>2018/6/29</a:t>
+              <a:t>18/07/26</a:t>
             </a:fld>
             <a:endParaRPr kumimoji="1" lang="ja-JP" altLang="en-US"/>
           </a:p>
@@ -740,7 +740,7 @@
           <p:cNvPr id="5" name="フッター プレースホルダー 4">
             <a:extLst>
               <a:ext uri="{FF2B5EF4-FFF2-40B4-BE49-F238E27FC236}">
-                <a16:creationId xmlns:a16="http://schemas.microsoft.com/office/drawing/2014/main" id="{7EBF40E7-653C-4597-83FA-F173957381ED}"/>
+                <a16:creationId xmlns:a16="http://schemas.microsoft.com/office/drawing/2014/main" xmlns="" id="{7EBF40E7-653C-4597-83FA-F173957381ED}"/>
               </a:ext>
             </a:extLst>
           </p:cNvPr>
@@ -765,7 +765,7 @@
           <p:cNvPr id="6" name="スライド番号プレースホルダー 5">
             <a:extLst>
               <a:ext uri="{FF2B5EF4-FFF2-40B4-BE49-F238E27FC236}">
-                <a16:creationId xmlns:a16="http://schemas.microsoft.com/office/drawing/2014/main" id="{AF2EC7C2-D360-4562-9144-602720617DFC}"/>
+                <a16:creationId xmlns:a16="http://schemas.microsoft.com/office/drawing/2014/main" xmlns="" id="{AF2EC7C2-D360-4562-9144-602720617DFC}"/>
               </a:ext>
             </a:extLst>
           </p:cNvPr>
@@ -824,7 +824,7 @@
           <p:cNvPr id="2" name="タイトル 1">
             <a:extLst>
               <a:ext uri="{FF2B5EF4-FFF2-40B4-BE49-F238E27FC236}">
-                <a16:creationId xmlns:a16="http://schemas.microsoft.com/office/drawing/2014/main" id="{842C9866-29B7-4D7F-8E00-5174D2E55DF2}"/>
+                <a16:creationId xmlns:a16="http://schemas.microsoft.com/office/drawing/2014/main" xmlns="" id="{842C9866-29B7-4D7F-8E00-5174D2E55DF2}"/>
               </a:ext>
             </a:extLst>
           </p:cNvPr>
@@ -852,7 +852,7 @@
           <p:cNvPr id="3" name="コンテンツ プレースホルダー 2">
             <a:extLst>
               <a:ext uri="{FF2B5EF4-FFF2-40B4-BE49-F238E27FC236}">
-                <a16:creationId xmlns:a16="http://schemas.microsoft.com/office/drawing/2014/main" id="{15F54CCF-B672-4EA2-B3C0-BB2D2A6BD6E8}"/>
+                <a16:creationId xmlns:a16="http://schemas.microsoft.com/office/drawing/2014/main" xmlns="" id="{15F54CCF-B672-4EA2-B3C0-BB2D2A6BD6E8}"/>
               </a:ext>
             </a:extLst>
           </p:cNvPr>
@@ -941,7 +941,7 @@
           <p:cNvPr id="4" name="日付プレースホルダー 3">
             <a:extLst>
               <a:ext uri="{FF2B5EF4-FFF2-40B4-BE49-F238E27FC236}">
-                <a16:creationId xmlns:a16="http://schemas.microsoft.com/office/drawing/2014/main" id="{018DF206-C490-4498-A1F8-526B7C61A20B}"/>
+                <a16:creationId xmlns:a16="http://schemas.microsoft.com/office/drawing/2014/main" xmlns="" id="{018DF206-C490-4498-A1F8-526B7C61A20B}"/>
               </a:ext>
             </a:extLst>
           </p:cNvPr>
@@ -959,7 +959,7 @@
           <a:p>
             <a:fld id="{83F10594-1B62-4B90-920A-44E63AFA5E18}" type="datetimeFigureOut">
               <a:rPr kumimoji="1" lang="ja-JP" altLang="en-US" smtClean="0"/>
-              <a:t>2018/6/29</a:t>
+              <a:t>18/07/26</a:t>
             </a:fld>
             <a:endParaRPr kumimoji="1" lang="ja-JP" altLang="en-US"/>
           </a:p>
@@ -970,7 +970,7 @@
           <p:cNvPr id="5" name="フッター プレースホルダー 4">
             <a:extLst>
               <a:ext uri="{FF2B5EF4-FFF2-40B4-BE49-F238E27FC236}">
-                <a16:creationId xmlns:a16="http://schemas.microsoft.com/office/drawing/2014/main" id="{EAAE8BC5-90BD-4F57-A201-047404050A8D}"/>
+                <a16:creationId xmlns:a16="http://schemas.microsoft.com/office/drawing/2014/main" xmlns="" id="{EAAE8BC5-90BD-4F57-A201-047404050A8D}"/>
               </a:ext>
             </a:extLst>
           </p:cNvPr>
@@ -995,7 +995,7 @@
           <p:cNvPr id="6" name="スライド番号プレースホルダー 5">
             <a:extLst>
               <a:ext uri="{FF2B5EF4-FFF2-40B4-BE49-F238E27FC236}">
-                <a16:creationId xmlns:a16="http://schemas.microsoft.com/office/drawing/2014/main" id="{6A073DB3-10CA-42C1-8CF4-C5B024EEB56E}"/>
+                <a16:creationId xmlns:a16="http://schemas.microsoft.com/office/drawing/2014/main" xmlns="" id="{6A073DB3-10CA-42C1-8CF4-C5B024EEB56E}"/>
               </a:ext>
             </a:extLst>
           </p:cNvPr>
@@ -1054,7 +1054,7 @@
           <p:cNvPr id="2" name="タイトル 1">
             <a:extLst>
               <a:ext uri="{FF2B5EF4-FFF2-40B4-BE49-F238E27FC236}">
-                <a16:creationId xmlns:a16="http://schemas.microsoft.com/office/drawing/2014/main" id="{E021E334-BC00-4E3E-ACD6-288A6F46C96E}"/>
+                <a16:creationId xmlns:a16="http://schemas.microsoft.com/office/drawing/2014/main" xmlns="" id="{E021E334-BC00-4E3E-ACD6-288A6F46C96E}"/>
               </a:ext>
             </a:extLst>
           </p:cNvPr>
@@ -1091,7 +1091,7 @@
           <p:cNvPr id="3" name="テキスト プレースホルダー 2">
             <a:extLst>
               <a:ext uri="{FF2B5EF4-FFF2-40B4-BE49-F238E27FC236}">
-                <a16:creationId xmlns:a16="http://schemas.microsoft.com/office/drawing/2014/main" id="{C1B165A6-C4DB-43AB-8EC0-F7AD2092914B}"/>
+                <a16:creationId xmlns:a16="http://schemas.microsoft.com/office/drawing/2014/main" xmlns="" id="{C1B165A6-C4DB-43AB-8EC0-F7AD2092914B}"/>
               </a:ext>
             </a:extLst>
           </p:cNvPr>
@@ -1216,7 +1216,7 @@
           <p:cNvPr id="4" name="日付プレースホルダー 3">
             <a:extLst>
               <a:ext uri="{FF2B5EF4-FFF2-40B4-BE49-F238E27FC236}">
-                <a16:creationId xmlns:a16="http://schemas.microsoft.com/office/drawing/2014/main" id="{5FBF22B7-B737-4B76-9725-B7285384AF39}"/>
+                <a16:creationId xmlns:a16="http://schemas.microsoft.com/office/drawing/2014/main" xmlns="" id="{5FBF22B7-B737-4B76-9725-B7285384AF39}"/>
               </a:ext>
             </a:extLst>
           </p:cNvPr>
@@ -1234,7 +1234,7 @@
           <a:p>
             <a:fld id="{83F10594-1B62-4B90-920A-44E63AFA5E18}" type="datetimeFigureOut">
               <a:rPr kumimoji="1" lang="ja-JP" altLang="en-US" smtClean="0"/>
-              <a:t>2018/6/29</a:t>
+              <a:t>18/07/26</a:t>
             </a:fld>
             <a:endParaRPr kumimoji="1" lang="ja-JP" altLang="en-US"/>
           </a:p>
@@ -1245,7 +1245,7 @@
           <p:cNvPr id="5" name="フッター プレースホルダー 4">
             <a:extLst>
               <a:ext uri="{FF2B5EF4-FFF2-40B4-BE49-F238E27FC236}">
-                <a16:creationId xmlns:a16="http://schemas.microsoft.com/office/drawing/2014/main" id="{26BEF98D-27F5-44B2-B041-7269780414A0}"/>
+                <a16:creationId xmlns:a16="http://schemas.microsoft.com/office/drawing/2014/main" xmlns="" id="{26BEF98D-27F5-44B2-B041-7269780414A0}"/>
               </a:ext>
             </a:extLst>
           </p:cNvPr>
@@ -1270,7 +1270,7 @@
           <p:cNvPr id="6" name="スライド番号プレースホルダー 5">
             <a:extLst>
               <a:ext uri="{FF2B5EF4-FFF2-40B4-BE49-F238E27FC236}">
-                <a16:creationId xmlns:a16="http://schemas.microsoft.com/office/drawing/2014/main" id="{83508419-CCE7-4D4F-B850-9384536ABF3F}"/>
+                <a16:creationId xmlns:a16="http://schemas.microsoft.com/office/drawing/2014/main" xmlns="" id="{83508419-CCE7-4D4F-B850-9384536ABF3F}"/>
               </a:ext>
             </a:extLst>
           </p:cNvPr>
@@ -1329,7 +1329,7 @@
           <p:cNvPr id="2" name="タイトル 1">
             <a:extLst>
               <a:ext uri="{FF2B5EF4-FFF2-40B4-BE49-F238E27FC236}">
-                <a16:creationId xmlns:a16="http://schemas.microsoft.com/office/drawing/2014/main" id="{FF7E7116-8EDA-4B7E-BECB-51A5F2BB361C}"/>
+                <a16:creationId xmlns:a16="http://schemas.microsoft.com/office/drawing/2014/main" xmlns="" id="{FF7E7116-8EDA-4B7E-BECB-51A5F2BB361C}"/>
               </a:ext>
             </a:extLst>
           </p:cNvPr>
@@ -1357,7 +1357,7 @@
           <p:cNvPr id="3" name="コンテンツ プレースホルダー 2">
             <a:extLst>
               <a:ext uri="{FF2B5EF4-FFF2-40B4-BE49-F238E27FC236}">
-                <a16:creationId xmlns:a16="http://schemas.microsoft.com/office/drawing/2014/main" id="{F43444E1-9FB8-4772-8ED2-C196F102D9F1}"/>
+                <a16:creationId xmlns:a16="http://schemas.microsoft.com/office/drawing/2014/main" xmlns="" id="{F43444E1-9FB8-4772-8ED2-C196F102D9F1}"/>
               </a:ext>
             </a:extLst>
           </p:cNvPr>
@@ -1451,7 +1451,7 @@
           <p:cNvPr id="4" name="コンテンツ プレースホルダー 3">
             <a:extLst>
               <a:ext uri="{FF2B5EF4-FFF2-40B4-BE49-F238E27FC236}">
-                <a16:creationId xmlns:a16="http://schemas.microsoft.com/office/drawing/2014/main" id="{1D120305-3A51-492A-927C-C001C998DE25}"/>
+                <a16:creationId xmlns:a16="http://schemas.microsoft.com/office/drawing/2014/main" xmlns="" id="{1D120305-3A51-492A-927C-C001C998DE25}"/>
               </a:ext>
             </a:extLst>
           </p:cNvPr>
@@ -1545,7 +1545,7 @@
           <p:cNvPr id="5" name="日付プレースホルダー 4">
             <a:extLst>
               <a:ext uri="{FF2B5EF4-FFF2-40B4-BE49-F238E27FC236}">
-                <a16:creationId xmlns:a16="http://schemas.microsoft.com/office/drawing/2014/main" id="{CB1EBFAB-F991-415D-9D5C-67F4E61E4EBC}"/>
+                <a16:creationId xmlns:a16="http://schemas.microsoft.com/office/drawing/2014/main" xmlns="" id="{CB1EBFAB-F991-415D-9D5C-67F4E61E4EBC}"/>
               </a:ext>
             </a:extLst>
           </p:cNvPr>
@@ -1563,7 +1563,7 @@
           <a:p>
             <a:fld id="{83F10594-1B62-4B90-920A-44E63AFA5E18}" type="datetimeFigureOut">
               <a:rPr kumimoji="1" lang="ja-JP" altLang="en-US" smtClean="0"/>
-              <a:t>2018/6/29</a:t>
+              <a:t>18/07/26</a:t>
             </a:fld>
             <a:endParaRPr kumimoji="1" lang="ja-JP" altLang="en-US"/>
           </a:p>
@@ -1574,7 +1574,7 @@
           <p:cNvPr id="6" name="フッター プレースホルダー 5">
             <a:extLst>
               <a:ext uri="{FF2B5EF4-FFF2-40B4-BE49-F238E27FC236}">
-                <a16:creationId xmlns:a16="http://schemas.microsoft.com/office/drawing/2014/main" id="{262C7230-6FA1-4C3D-AF47-BB382F072BBE}"/>
+                <a16:creationId xmlns:a16="http://schemas.microsoft.com/office/drawing/2014/main" xmlns="" id="{262C7230-6FA1-4C3D-AF47-BB382F072BBE}"/>
               </a:ext>
             </a:extLst>
           </p:cNvPr>
@@ -1599,7 +1599,7 @@
           <p:cNvPr id="7" name="スライド番号プレースホルダー 6">
             <a:extLst>
               <a:ext uri="{FF2B5EF4-FFF2-40B4-BE49-F238E27FC236}">
-                <a16:creationId xmlns:a16="http://schemas.microsoft.com/office/drawing/2014/main" id="{6B5B9B6D-9EB8-4B9C-8880-F10E23907D54}"/>
+                <a16:creationId xmlns:a16="http://schemas.microsoft.com/office/drawing/2014/main" xmlns="" id="{6B5B9B6D-9EB8-4B9C-8880-F10E23907D54}"/>
               </a:ext>
             </a:extLst>
           </p:cNvPr>
@@ -1658,7 +1658,7 @@
           <p:cNvPr id="2" name="タイトル 1">
             <a:extLst>
               <a:ext uri="{FF2B5EF4-FFF2-40B4-BE49-F238E27FC236}">
-                <a16:creationId xmlns:a16="http://schemas.microsoft.com/office/drawing/2014/main" id="{83C60BF6-FF70-4C21-8439-C0513B353EAB}"/>
+                <a16:creationId xmlns:a16="http://schemas.microsoft.com/office/drawing/2014/main" xmlns="" id="{83C60BF6-FF70-4C21-8439-C0513B353EAB}"/>
               </a:ext>
             </a:extLst>
           </p:cNvPr>
@@ -1691,7 +1691,7 @@
           <p:cNvPr id="3" name="テキスト プレースホルダー 2">
             <a:extLst>
               <a:ext uri="{FF2B5EF4-FFF2-40B4-BE49-F238E27FC236}">
-                <a16:creationId xmlns:a16="http://schemas.microsoft.com/office/drawing/2014/main" id="{2EE09130-E04B-45C6-8B4F-BE4A46933DF9}"/>
+                <a16:creationId xmlns:a16="http://schemas.microsoft.com/office/drawing/2014/main" xmlns="" id="{2EE09130-E04B-45C6-8B4F-BE4A46933DF9}"/>
               </a:ext>
             </a:extLst>
           </p:cNvPr>
@@ -1762,7 +1762,7 @@
           <p:cNvPr id="4" name="コンテンツ プレースホルダー 3">
             <a:extLst>
               <a:ext uri="{FF2B5EF4-FFF2-40B4-BE49-F238E27FC236}">
-                <a16:creationId xmlns:a16="http://schemas.microsoft.com/office/drawing/2014/main" id="{4B35D4B4-AC1A-447B-9E92-7EB864E77657}"/>
+                <a16:creationId xmlns:a16="http://schemas.microsoft.com/office/drawing/2014/main" xmlns="" id="{4B35D4B4-AC1A-447B-9E92-7EB864E77657}"/>
               </a:ext>
             </a:extLst>
           </p:cNvPr>
@@ -1856,7 +1856,7 @@
           <p:cNvPr id="5" name="テキスト プレースホルダー 4">
             <a:extLst>
               <a:ext uri="{FF2B5EF4-FFF2-40B4-BE49-F238E27FC236}">
-                <a16:creationId xmlns:a16="http://schemas.microsoft.com/office/drawing/2014/main" id="{C59772BC-4022-40B4-8CDF-8F1F51693EED}"/>
+                <a16:creationId xmlns:a16="http://schemas.microsoft.com/office/drawing/2014/main" xmlns="" id="{C59772BC-4022-40B4-8CDF-8F1F51693EED}"/>
               </a:ext>
             </a:extLst>
           </p:cNvPr>
@@ -1927,7 +1927,7 @@
           <p:cNvPr id="6" name="コンテンツ プレースホルダー 5">
             <a:extLst>
               <a:ext uri="{FF2B5EF4-FFF2-40B4-BE49-F238E27FC236}">
-                <a16:creationId xmlns:a16="http://schemas.microsoft.com/office/drawing/2014/main" id="{15C7D202-5DFA-4CC2-B7BF-CBC47541B4A3}"/>
+                <a16:creationId xmlns:a16="http://schemas.microsoft.com/office/drawing/2014/main" xmlns="" id="{15C7D202-5DFA-4CC2-B7BF-CBC47541B4A3}"/>
               </a:ext>
             </a:extLst>
           </p:cNvPr>
@@ -2021,7 +2021,7 @@
           <p:cNvPr id="7" name="日付プレースホルダー 6">
             <a:extLst>
               <a:ext uri="{FF2B5EF4-FFF2-40B4-BE49-F238E27FC236}">
-                <a16:creationId xmlns:a16="http://schemas.microsoft.com/office/drawing/2014/main" id="{03912EEE-14FB-477A-BB57-C89435991D11}"/>
+                <a16:creationId xmlns:a16="http://schemas.microsoft.com/office/drawing/2014/main" xmlns="" id="{03912EEE-14FB-477A-BB57-C89435991D11}"/>
               </a:ext>
             </a:extLst>
           </p:cNvPr>
@@ -2039,7 +2039,7 @@
           <a:p>
             <a:fld id="{83F10594-1B62-4B90-920A-44E63AFA5E18}" type="datetimeFigureOut">
               <a:rPr kumimoji="1" lang="ja-JP" altLang="en-US" smtClean="0"/>
-              <a:t>2018/6/29</a:t>
+              <a:t>18/07/26</a:t>
             </a:fld>
             <a:endParaRPr kumimoji="1" lang="ja-JP" altLang="en-US"/>
           </a:p>
@@ -2050,7 +2050,7 @@
           <p:cNvPr id="8" name="フッター プレースホルダー 7">
             <a:extLst>
               <a:ext uri="{FF2B5EF4-FFF2-40B4-BE49-F238E27FC236}">
-                <a16:creationId xmlns:a16="http://schemas.microsoft.com/office/drawing/2014/main" id="{8926CE11-E2CE-4473-842F-18176B54B9C0}"/>
+                <a16:creationId xmlns:a16="http://schemas.microsoft.com/office/drawing/2014/main" xmlns="" id="{8926CE11-E2CE-4473-842F-18176B54B9C0}"/>
               </a:ext>
             </a:extLst>
           </p:cNvPr>
@@ -2075,7 +2075,7 @@
           <p:cNvPr id="9" name="スライド番号プレースホルダー 8">
             <a:extLst>
               <a:ext uri="{FF2B5EF4-FFF2-40B4-BE49-F238E27FC236}">
-                <a16:creationId xmlns:a16="http://schemas.microsoft.com/office/drawing/2014/main" id="{0365A9F8-690E-4C75-A24E-6F5D8D3D9289}"/>
+                <a16:creationId xmlns:a16="http://schemas.microsoft.com/office/drawing/2014/main" xmlns="" id="{0365A9F8-690E-4C75-A24E-6F5D8D3D9289}"/>
               </a:ext>
             </a:extLst>
           </p:cNvPr>
@@ -2134,7 +2134,7 @@
           <p:cNvPr id="2" name="タイトル 1">
             <a:extLst>
               <a:ext uri="{FF2B5EF4-FFF2-40B4-BE49-F238E27FC236}">
-                <a16:creationId xmlns:a16="http://schemas.microsoft.com/office/drawing/2014/main" id="{55783442-0AB2-432A-9471-268A95CDACB9}"/>
+                <a16:creationId xmlns:a16="http://schemas.microsoft.com/office/drawing/2014/main" xmlns="" id="{55783442-0AB2-432A-9471-268A95CDACB9}"/>
               </a:ext>
             </a:extLst>
           </p:cNvPr>
@@ -2162,7 +2162,7 @@
           <p:cNvPr id="3" name="日付プレースホルダー 2">
             <a:extLst>
               <a:ext uri="{FF2B5EF4-FFF2-40B4-BE49-F238E27FC236}">
-                <a16:creationId xmlns:a16="http://schemas.microsoft.com/office/drawing/2014/main" id="{E3692241-4CF9-4C0B-BB87-22D56E35E941}"/>
+                <a16:creationId xmlns:a16="http://schemas.microsoft.com/office/drawing/2014/main" xmlns="" id="{E3692241-4CF9-4C0B-BB87-22D56E35E941}"/>
               </a:ext>
             </a:extLst>
           </p:cNvPr>
@@ -2180,7 +2180,7 @@
           <a:p>
             <a:fld id="{83F10594-1B62-4B90-920A-44E63AFA5E18}" type="datetimeFigureOut">
               <a:rPr kumimoji="1" lang="ja-JP" altLang="en-US" smtClean="0"/>
-              <a:t>2018/6/29</a:t>
+              <a:t>18/07/26</a:t>
             </a:fld>
             <a:endParaRPr kumimoji="1" lang="ja-JP" altLang="en-US"/>
           </a:p>
@@ -2191,7 +2191,7 @@
           <p:cNvPr id="4" name="フッター プレースホルダー 3">
             <a:extLst>
               <a:ext uri="{FF2B5EF4-FFF2-40B4-BE49-F238E27FC236}">
-                <a16:creationId xmlns:a16="http://schemas.microsoft.com/office/drawing/2014/main" id="{58F36A5D-F3E8-4480-93A0-D979A30E029A}"/>
+                <a16:creationId xmlns:a16="http://schemas.microsoft.com/office/drawing/2014/main" xmlns="" id="{58F36A5D-F3E8-4480-93A0-D979A30E029A}"/>
               </a:ext>
             </a:extLst>
           </p:cNvPr>
@@ -2216,7 +2216,7 @@
           <p:cNvPr id="5" name="スライド番号プレースホルダー 4">
             <a:extLst>
               <a:ext uri="{FF2B5EF4-FFF2-40B4-BE49-F238E27FC236}">
-                <a16:creationId xmlns:a16="http://schemas.microsoft.com/office/drawing/2014/main" id="{1519316A-59BD-4BD8-8AB2-B4984C7A40A4}"/>
+                <a16:creationId xmlns:a16="http://schemas.microsoft.com/office/drawing/2014/main" xmlns="" id="{1519316A-59BD-4BD8-8AB2-B4984C7A40A4}"/>
               </a:ext>
             </a:extLst>
           </p:cNvPr>
@@ -2275,7 +2275,7 @@
           <p:cNvPr id="2" name="日付プレースホルダー 1">
             <a:extLst>
               <a:ext uri="{FF2B5EF4-FFF2-40B4-BE49-F238E27FC236}">
-                <a16:creationId xmlns:a16="http://schemas.microsoft.com/office/drawing/2014/main" id="{DCE940E3-3C94-4EA2-A263-2906F67321F1}"/>
+                <a16:creationId xmlns:a16="http://schemas.microsoft.com/office/drawing/2014/main" xmlns="" id="{DCE940E3-3C94-4EA2-A263-2906F67321F1}"/>
               </a:ext>
             </a:extLst>
           </p:cNvPr>
@@ -2293,7 +2293,7 @@
           <a:p>
             <a:fld id="{83F10594-1B62-4B90-920A-44E63AFA5E18}" type="datetimeFigureOut">
               <a:rPr kumimoji="1" lang="ja-JP" altLang="en-US" smtClean="0"/>
-              <a:t>2018/6/29</a:t>
+              <a:t>18/07/26</a:t>
             </a:fld>
             <a:endParaRPr kumimoji="1" lang="ja-JP" altLang="en-US"/>
           </a:p>
@@ -2304,7 +2304,7 @@
           <p:cNvPr id="3" name="フッター プレースホルダー 2">
             <a:extLst>
               <a:ext uri="{FF2B5EF4-FFF2-40B4-BE49-F238E27FC236}">
-                <a16:creationId xmlns:a16="http://schemas.microsoft.com/office/drawing/2014/main" id="{0CBD0DB6-EB3D-4664-950E-61B496AC8123}"/>
+                <a16:creationId xmlns:a16="http://schemas.microsoft.com/office/drawing/2014/main" xmlns="" id="{0CBD0DB6-EB3D-4664-950E-61B496AC8123}"/>
               </a:ext>
             </a:extLst>
           </p:cNvPr>
@@ -2329,7 +2329,7 @@
           <p:cNvPr id="4" name="スライド番号プレースホルダー 3">
             <a:extLst>
               <a:ext uri="{FF2B5EF4-FFF2-40B4-BE49-F238E27FC236}">
-                <a16:creationId xmlns:a16="http://schemas.microsoft.com/office/drawing/2014/main" id="{0E918613-DD62-457C-B302-30977DE6CE19}"/>
+                <a16:creationId xmlns:a16="http://schemas.microsoft.com/office/drawing/2014/main" xmlns="" id="{0E918613-DD62-457C-B302-30977DE6CE19}"/>
               </a:ext>
             </a:extLst>
           </p:cNvPr>
@@ -2388,7 +2388,7 @@
           <p:cNvPr id="2" name="タイトル 1">
             <a:extLst>
               <a:ext uri="{FF2B5EF4-FFF2-40B4-BE49-F238E27FC236}">
-                <a16:creationId xmlns:a16="http://schemas.microsoft.com/office/drawing/2014/main" id="{A8DA3A07-C011-461E-A44B-23EAA6039F8B}"/>
+                <a16:creationId xmlns:a16="http://schemas.microsoft.com/office/drawing/2014/main" xmlns="" id="{A8DA3A07-C011-461E-A44B-23EAA6039F8B}"/>
               </a:ext>
             </a:extLst>
           </p:cNvPr>
@@ -2425,7 +2425,7 @@
           <p:cNvPr id="3" name="コンテンツ プレースホルダー 2">
             <a:extLst>
               <a:ext uri="{FF2B5EF4-FFF2-40B4-BE49-F238E27FC236}">
-                <a16:creationId xmlns:a16="http://schemas.microsoft.com/office/drawing/2014/main" id="{D96FE026-4B67-4798-9DB0-7890A3CB8B27}"/>
+                <a16:creationId xmlns:a16="http://schemas.microsoft.com/office/drawing/2014/main" xmlns="" id="{D96FE026-4B67-4798-9DB0-7890A3CB8B27}"/>
               </a:ext>
             </a:extLst>
           </p:cNvPr>
@@ -2547,7 +2547,7 @@
           <p:cNvPr id="4" name="テキスト プレースホルダー 3">
             <a:extLst>
               <a:ext uri="{FF2B5EF4-FFF2-40B4-BE49-F238E27FC236}">
-                <a16:creationId xmlns:a16="http://schemas.microsoft.com/office/drawing/2014/main" id="{AD5E4E23-C3AD-4249-9ED6-09210E3270F8}"/>
+                <a16:creationId xmlns:a16="http://schemas.microsoft.com/office/drawing/2014/main" xmlns="" id="{AD5E4E23-C3AD-4249-9ED6-09210E3270F8}"/>
               </a:ext>
             </a:extLst>
           </p:cNvPr>
@@ -2618,7 +2618,7 @@
           <p:cNvPr id="5" name="日付プレースホルダー 4">
             <a:extLst>
               <a:ext uri="{FF2B5EF4-FFF2-40B4-BE49-F238E27FC236}">
-                <a16:creationId xmlns:a16="http://schemas.microsoft.com/office/drawing/2014/main" id="{DADAE2E2-E698-4B75-9D7F-FF2D60864B49}"/>
+                <a16:creationId xmlns:a16="http://schemas.microsoft.com/office/drawing/2014/main" xmlns="" id="{DADAE2E2-E698-4B75-9D7F-FF2D60864B49}"/>
               </a:ext>
             </a:extLst>
           </p:cNvPr>
@@ -2636,7 +2636,7 @@
           <a:p>
             <a:fld id="{83F10594-1B62-4B90-920A-44E63AFA5E18}" type="datetimeFigureOut">
               <a:rPr kumimoji="1" lang="ja-JP" altLang="en-US" smtClean="0"/>
-              <a:t>2018/6/29</a:t>
+              <a:t>18/07/26</a:t>
             </a:fld>
             <a:endParaRPr kumimoji="1" lang="ja-JP" altLang="en-US"/>
           </a:p>
@@ -2647,7 +2647,7 @@
           <p:cNvPr id="6" name="フッター プレースホルダー 5">
             <a:extLst>
               <a:ext uri="{FF2B5EF4-FFF2-40B4-BE49-F238E27FC236}">
-                <a16:creationId xmlns:a16="http://schemas.microsoft.com/office/drawing/2014/main" id="{AA333362-8A34-4BA9-A7DE-D7B52FDC7B03}"/>
+                <a16:creationId xmlns:a16="http://schemas.microsoft.com/office/drawing/2014/main" xmlns="" id="{AA333362-8A34-4BA9-A7DE-D7B52FDC7B03}"/>
               </a:ext>
             </a:extLst>
           </p:cNvPr>
@@ -2672,7 +2672,7 @@
           <p:cNvPr id="7" name="スライド番号プレースホルダー 6">
             <a:extLst>
               <a:ext uri="{FF2B5EF4-FFF2-40B4-BE49-F238E27FC236}">
-                <a16:creationId xmlns:a16="http://schemas.microsoft.com/office/drawing/2014/main" id="{0D8613AC-3E3B-4E04-A435-551CC1FC6277}"/>
+                <a16:creationId xmlns:a16="http://schemas.microsoft.com/office/drawing/2014/main" xmlns="" id="{0D8613AC-3E3B-4E04-A435-551CC1FC6277}"/>
               </a:ext>
             </a:extLst>
           </p:cNvPr>
@@ -2731,7 +2731,7 @@
           <p:cNvPr id="2" name="タイトル 1">
             <a:extLst>
               <a:ext uri="{FF2B5EF4-FFF2-40B4-BE49-F238E27FC236}">
-                <a16:creationId xmlns:a16="http://schemas.microsoft.com/office/drawing/2014/main" id="{337EDFD7-BCD5-45BD-B577-C3316718F339}"/>
+                <a16:creationId xmlns:a16="http://schemas.microsoft.com/office/drawing/2014/main" xmlns="" id="{337EDFD7-BCD5-45BD-B577-C3316718F339}"/>
               </a:ext>
             </a:extLst>
           </p:cNvPr>
@@ -2768,7 +2768,7 @@
           <p:cNvPr id="3" name="図プレースホルダー 2">
             <a:extLst>
               <a:ext uri="{FF2B5EF4-FFF2-40B4-BE49-F238E27FC236}">
-                <a16:creationId xmlns:a16="http://schemas.microsoft.com/office/drawing/2014/main" id="{891B5D57-DC98-4CF2-9231-95A45B41AAC8}"/>
+                <a16:creationId xmlns:a16="http://schemas.microsoft.com/office/drawing/2014/main" xmlns="" id="{891B5D57-DC98-4CF2-9231-95A45B41AAC8}"/>
               </a:ext>
             </a:extLst>
           </p:cNvPr>
@@ -2835,7 +2835,7 @@
           <p:cNvPr id="4" name="テキスト プレースホルダー 3">
             <a:extLst>
               <a:ext uri="{FF2B5EF4-FFF2-40B4-BE49-F238E27FC236}">
-                <a16:creationId xmlns:a16="http://schemas.microsoft.com/office/drawing/2014/main" id="{0EC31FBE-DC5A-4410-82FA-7C41B281F3EB}"/>
+                <a16:creationId xmlns:a16="http://schemas.microsoft.com/office/drawing/2014/main" xmlns="" id="{0EC31FBE-DC5A-4410-82FA-7C41B281F3EB}"/>
               </a:ext>
             </a:extLst>
           </p:cNvPr>
@@ -2906,7 +2906,7 @@
           <p:cNvPr id="5" name="日付プレースホルダー 4">
             <a:extLst>
               <a:ext uri="{FF2B5EF4-FFF2-40B4-BE49-F238E27FC236}">
-                <a16:creationId xmlns:a16="http://schemas.microsoft.com/office/drawing/2014/main" id="{CFD3CF11-F156-4B4C-B483-7178940AF04F}"/>
+                <a16:creationId xmlns:a16="http://schemas.microsoft.com/office/drawing/2014/main" xmlns="" id="{CFD3CF11-F156-4B4C-B483-7178940AF04F}"/>
               </a:ext>
             </a:extLst>
           </p:cNvPr>
@@ -2924,7 +2924,7 @@
           <a:p>
             <a:fld id="{83F10594-1B62-4B90-920A-44E63AFA5E18}" type="datetimeFigureOut">
               <a:rPr kumimoji="1" lang="ja-JP" altLang="en-US" smtClean="0"/>
-              <a:t>2018/6/29</a:t>
+              <a:t>18/07/26</a:t>
             </a:fld>
             <a:endParaRPr kumimoji="1" lang="ja-JP" altLang="en-US"/>
           </a:p>
@@ -2935,7 +2935,7 @@
           <p:cNvPr id="6" name="フッター プレースホルダー 5">
             <a:extLst>
               <a:ext uri="{FF2B5EF4-FFF2-40B4-BE49-F238E27FC236}">
-                <a16:creationId xmlns:a16="http://schemas.microsoft.com/office/drawing/2014/main" id="{E5FD4BF6-F4B8-4D47-A428-B4EF4EB84233}"/>
+                <a16:creationId xmlns:a16="http://schemas.microsoft.com/office/drawing/2014/main" xmlns="" id="{E5FD4BF6-F4B8-4D47-A428-B4EF4EB84233}"/>
               </a:ext>
             </a:extLst>
           </p:cNvPr>
@@ -2960,7 +2960,7 @@
           <p:cNvPr id="7" name="スライド番号プレースホルダー 6">
             <a:extLst>
               <a:ext uri="{FF2B5EF4-FFF2-40B4-BE49-F238E27FC236}">
-                <a16:creationId xmlns:a16="http://schemas.microsoft.com/office/drawing/2014/main" id="{EB9FE972-35BD-4DA7-AB04-DD730767964B}"/>
+                <a16:creationId xmlns:a16="http://schemas.microsoft.com/office/drawing/2014/main" xmlns="" id="{EB9FE972-35BD-4DA7-AB04-DD730767964B}"/>
               </a:ext>
             </a:extLst>
           </p:cNvPr>
@@ -3024,7 +3024,7 @@
           <p:cNvPr id="2" name="タイトル プレースホルダー 1">
             <a:extLst>
               <a:ext uri="{FF2B5EF4-FFF2-40B4-BE49-F238E27FC236}">
-                <a16:creationId xmlns:a16="http://schemas.microsoft.com/office/drawing/2014/main" id="{DD12E2DB-2FB0-4179-BB7A-70BF767AD1A9}"/>
+                <a16:creationId xmlns:a16="http://schemas.microsoft.com/office/drawing/2014/main" xmlns="" id="{DD12E2DB-2FB0-4179-BB7A-70BF767AD1A9}"/>
               </a:ext>
             </a:extLst>
           </p:cNvPr>
@@ -3062,7 +3062,7 @@
           <p:cNvPr id="3" name="テキスト プレースホルダー 2">
             <a:extLst>
               <a:ext uri="{FF2B5EF4-FFF2-40B4-BE49-F238E27FC236}">
-                <a16:creationId xmlns:a16="http://schemas.microsoft.com/office/drawing/2014/main" id="{438D41D4-83E7-4BDA-BEB3-A876FA08DDD6}"/>
+                <a16:creationId xmlns:a16="http://schemas.microsoft.com/office/drawing/2014/main" xmlns="" id="{438D41D4-83E7-4BDA-BEB3-A876FA08DDD6}"/>
               </a:ext>
             </a:extLst>
           </p:cNvPr>
@@ -3161,7 +3161,7 @@
           <p:cNvPr id="4" name="日付プレースホルダー 3">
             <a:extLst>
               <a:ext uri="{FF2B5EF4-FFF2-40B4-BE49-F238E27FC236}">
-                <a16:creationId xmlns:a16="http://schemas.microsoft.com/office/drawing/2014/main" id="{0E433CFC-DC7D-4F99-8E70-7A481EBEB1E1}"/>
+                <a16:creationId xmlns:a16="http://schemas.microsoft.com/office/drawing/2014/main" xmlns="" id="{0E433CFC-DC7D-4F99-8E70-7A481EBEB1E1}"/>
               </a:ext>
             </a:extLst>
           </p:cNvPr>
@@ -3197,7 +3197,7 @@
           <a:p>
             <a:fld id="{83F10594-1B62-4B90-920A-44E63AFA5E18}" type="datetimeFigureOut">
               <a:rPr kumimoji="1" lang="ja-JP" altLang="en-US" smtClean="0"/>
-              <a:t>2018/6/29</a:t>
+              <a:t>18/07/26</a:t>
             </a:fld>
             <a:endParaRPr kumimoji="1" lang="ja-JP" altLang="en-US"/>
           </a:p>
@@ -3208,7 +3208,7 @@
           <p:cNvPr id="5" name="フッター プレースホルダー 4">
             <a:extLst>
               <a:ext uri="{FF2B5EF4-FFF2-40B4-BE49-F238E27FC236}">
-                <a16:creationId xmlns:a16="http://schemas.microsoft.com/office/drawing/2014/main" id="{6B81CAFF-C1F6-4DCF-889B-70B9284A8205}"/>
+                <a16:creationId xmlns:a16="http://schemas.microsoft.com/office/drawing/2014/main" xmlns="" id="{6B81CAFF-C1F6-4DCF-889B-70B9284A8205}"/>
               </a:ext>
             </a:extLst>
           </p:cNvPr>
@@ -3251,7 +3251,7 @@
           <p:cNvPr id="6" name="スライド番号プレースホルダー 5">
             <a:extLst>
               <a:ext uri="{FF2B5EF4-FFF2-40B4-BE49-F238E27FC236}">
-                <a16:creationId xmlns:a16="http://schemas.microsoft.com/office/drawing/2014/main" id="{C3F78FC5-6E47-4346-A34A-B0090FE228A6}"/>
+                <a16:creationId xmlns:a16="http://schemas.microsoft.com/office/drawing/2014/main" xmlns="" id="{C3F78FC5-6E47-4346-A34A-B0090FE228A6}"/>
               </a:ext>
             </a:extLst>
           </p:cNvPr>
@@ -3619,7 +3619,7 @@
           <p:cNvPr id="23" name="図 22">
             <a:extLst>
               <a:ext uri="{FF2B5EF4-FFF2-40B4-BE49-F238E27FC236}">
-                <a16:creationId xmlns:a16="http://schemas.microsoft.com/office/drawing/2014/main" id="{C00650D5-198A-45F6-8F76-CCD03A557C8D}"/>
+                <a16:creationId xmlns:a16="http://schemas.microsoft.com/office/drawing/2014/main" xmlns="" id="{C00650D5-198A-45F6-8F76-CCD03A557C8D}"/>
               </a:ext>
             </a:extLst>
           </p:cNvPr>
@@ -3655,7 +3655,7 @@
           <p:cNvPr id="22" name="フローチャート: 処理 21">
             <a:extLst>
               <a:ext uri="{FF2B5EF4-FFF2-40B4-BE49-F238E27FC236}">
-                <a16:creationId xmlns:a16="http://schemas.microsoft.com/office/drawing/2014/main" id="{4CCE0672-8772-4262-8145-4E76921A887F}"/>
+                <a16:creationId xmlns:a16="http://schemas.microsoft.com/office/drawing/2014/main" xmlns="" id="{4CCE0672-8772-4262-8145-4E76921A887F}"/>
               </a:ext>
             </a:extLst>
           </p:cNvPr>
@@ -3713,6 +3713,10 @@
               <a:rPr lang="ja-JP" altLang="en-US" sz="1100" dirty="0"/>
               <a:t>サプライチェーンの参加者が各組織内に確立すべきコンプライアンスプログラム</a:t>
             </a:r>
+            <a:r>
+              <a:rPr lang="en-US" altLang="ja-JP" sz="1100" dirty="0"/>
+              <a:t/>
+            </a:r>
             <a:br>
               <a:rPr lang="en-US" altLang="ja-JP" sz="1100" dirty="0"/>
             </a:br>
@@ -3850,6 +3854,10 @@
             </a:r>
           </a:p>
           <a:p>
+            <a:r>
+              <a:rPr lang="en-US" altLang="ja-JP" sz="1100" dirty="0"/>
+              <a:t/>
+            </a:r>
             <a:br>
               <a:rPr lang="en-US" altLang="ja-JP" sz="1100" dirty="0"/>
             </a:br>
@@ -3877,7 +3885,15 @@
           <a:p>
             <a:r>
               <a:rPr lang="en-US" altLang="ja-JP" sz="1100" dirty="0"/>
-              <a:t>Adobe, Arm, Cisco, COMCAST, GitHub, Harman, HPE, Hitachi, </a:t>
+              <a:t>Adobe, Arm, Cisco, COMCAST, GitHub, </a:t>
+            </a:r>
+            <a:r>
+              <a:rPr lang="en-US" altLang="ja-JP" sz="1100" dirty="0" smtClean="0"/>
+              <a:t>Harman, </a:t>
+            </a:r>
+            <a:r>
+              <a:rPr lang="en-US" altLang="ja-JP" sz="1100" dirty="0"/>
+              <a:t>Hitachi, </a:t>
             </a:r>
           </a:p>
           <a:p>
@@ -3902,7 +3918,7 @@
           <p:cNvPr id="13" name="図 12">
             <a:extLst>
               <a:ext uri="{FF2B5EF4-FFF2-40B4-BE49-F238E27FC236}">
-                <a16:creationId xmlns:a16="http://schemas.microsoft.com/office/drawing/2014/main" id="{425E1792-D999-42B9-84AE-53113CAD37F3}"/>
+                <a16:creationId xmlns:a16="http://schemas.microsoft.com/office/drawing/2014/main" xmlns="" id="{425E1792-D999-42B9-84AE-53113CAD37F3}"/>
               </a:ext>
             </a:extLst>
           </p:cNvPr>
@@ -3938,7 +3954,7 @@
           <p:cNvPr id="31" name="フローチャート: 処理 30">
             <a:extLst>
               <a:ext uri="{FF2B5EF4-FFF2-40B4-BE49-F238E27FC236}">
-                <a16:creationId xmlns:a16="http://schemas.microsoft.com/office/drawing/2014/main" id="{ECFF2D5B-FC6B-4011-BDF2-AE3E8986DA3D}"/>
+                <a16:creationId xmlns:a16="http://schemas.microsoft.com/office/drawing/2014/main" xmlns="" id="{ECFF2D5B-FC6B-4011-BDF2-AE3E8986DA3D}"/>
               </a:ext>
             </a:extLst>
           </p:cNvPr>
@@ -4002,6 +4018,10 @@
               </a:rPr>
               <a:t>https://lists.linuxfoundation.org/mailman/listinfo/openchain-japan-wg</a:t>
             </a:r>
+            <a:r>
+              <a:rPr lang="en-US" altLang="ja-JP" sz="1100" u="sng" dirty="0"/>
+              <a:t/>
+            </a:r>
             <a:br>
               <a:rPr lang="en-US" altLang="ja-JP" sz="1100" u="sng" dirty="0"/>
             </a:br>
@@ -4032,6 +4052,10 @@
               <a:rPr lang="ja-JP" altLang="ja-JP" sz="1100" dirty="0"/>
               <a:t>で登録していただいたアドレスに、</a:t>
             </a:r>
+            <a:r>
+              <a:rPr lang="en-US" altLang="ja-JP" sz="1100" dirty="0"/>
+              <a:t/>
+            </a:r>
             <a:br>
               <a:rPr lang="en-US" altLang="ja-JP" sz="1100" dirty="0"/>
             </a:br>
@@ -4054,6 +4078,10 @@
             <a:r>
               <a:rPr lang="en-US" altLang="ja-JP" sz="1100" b="1" i="1" dirty="0"/>
               <a:t> mailing list</a:t>
+            </a:r>
+            <a:r>
+              <a:rPr lang="en-US" altLang="ja-JP" sz="1100" dirty="0"/>
+              <a:t/>
             </a:r>
             <a:br>
               <a:rPr lang="en-US" altLang="ja-JP" sz="1100" dirty="0"/>
@@ -4121,6 +4149,10 @@
               <a:rPr lang="ja-JP" altLang="ja-JP" sz="1100" dirty="0"/>
               <a:t>承認操作が完了しますと</a:t>
             </a:r>
+            <a:r>
+              <a:rPr lang="en-US" altLang="ja-JP" sz="1100" dirty="0"/>
+              <a:t/>
+            </a:r>
             <a:br>
               <a:rPr lang="en-US" altLang="ja-JP" sz="1100" dirty="0"/>
             </a:br>
@@ -4143,6 +4175,10 @@
             <a:r>
               <a:rPr lang="en-US" altLang="ja-JP" sz="1100" b="1" i="1" dirty="0"/>
               <a:t>” mailing list</a:t>
+            </a:r>
+            <a:r>
+              <a:rPr lang="en-US" altLang="ja-JP" sz="1100" dirty="0"/>
+              <a:t/>
             </a:r>
             <a:br>
               <a:rPr lang="en-US" altLang="ja-JP" sz="1100" dirty="0"/>
@@ -4186,7 +4222,7 @@
           <p:cNvPr id="5" name="図 4">
             <a:extLst>
               <a:ext uri="{FF2B5EF4-FFF2-40B4-BE49-F238E27FC236}">
-                <a16:creationId xmlns:a16="http://schemas.microsoft.com/office/drawing/2014/main" id="{CA707440-63A7-4A68-A5FC-1818E2B61AB6}"/>
+                <a16:creationId xmlns:a16="http://schemas.microsoft.com/office/drawing/2014/main" xmlns="" id="{CA707440-63A7-4A68-A5FC-1818E2B61AB6}"/>
               </a:ext>
             </a:extLst>
           </p:cNvPr>
@@ -4222,7 +4258,7 @@
           <p:cNvPr id="11" name="図 10">
             <a:extLst>
               <a:ext uri="{FF2B5EF4-FFF2-40B4-BE49-F238E27FC236}">
-                <a16:creationId xmlns:a16="http://schemas.microsoft.com/office/drawing/2014/main" id="{AD3F2B6C-A3FB-4A88-93B2-FC4A1C7B0C64}"/>
+                <a16:creationId xmlns:a16="http://schemas.microsoft.com/office/drawing/2014/main" xmlns="" id="{AD3F2B6C-A3FB-4A88-93B2-FC4A1C7B0C64}"/>
               </a:ext>
             </a:extLst>
           </p:cNvPr>
@@ -4258,7 +4294,7 @@
           <p:cNvPr id="21" name="フローチャート: 処理 20">
             <a:extLst>
               <a:ext uri="{FF2B5EF4-FFF2-40B4-BE49-F238E27FC236}">
-                <a16:creationId xmlns:a16="http://schemas.microsoft.com/office/drawing/2014/main" id="{E12A9AD0-3E8C-4903-B74C-14F9837F8256}"/>
+                <a16:creationId xmlns:a16="http://schemas.microsoft.com/office/drawing/2014/main" xmlns="" id="{E12A9AD0-3E8C-4903-B74C-14F9837F8256}"/>
               </a:ext>
             </a:extLst>
           </p:cNvPr>
@@ -4356,7 +4392,7 @@
           <p:cNvPr id="7" name="Shape 53">
             <a:extLst>
               <a:ext uri="{FF2B5EF4-FFF2-40B4-BE49-F238E27FC236}">
-                <a16:creationId xmlns:a16="http://schemas.microsoft.com/office/drawing/2014/main" id="{740E5A53-C12F-42B7-BD46-ED849C0410B4}"/>
+                <a16:creationId xmlns:a16="http://schemas.microsoft.com/office/drawing/2014/main" xmlns="" id="{740E5A53-C12F-42B7-BD46-ED849C0410B4}"/>
               </a:ext>
             </a:extLst>
           </p:cNvPr>
@@ -4389,7 +4425,7 @@
           <p:cNvPr id="26" name="フローチャート: 処理 25">
             <a:extLst>
               <a:ext uri="{FF2B5EF4-FFF2-40B4-BE49-F238E27FC236}">
-                <a16:creationId xmlns:a16="http://schemas.microsoft.com/office/drawing/2014/main" id="{D8EBF979-130F-4766-8F0E-9DAA34A01312}"/>
+                <a16:creationId xmlns:a16="http://schemas.microsoft.com/office/drawing/2014/main" xmlns="" id="{D8EBF979-130F-4766-8F0E-9DAA34A01312}"/>
               </a:ext>
             </a:extLst>
           </p:cNvPr>
@@ -4507,7 +4543,7 @@
           <p:cNvPr id="28" name="テキスト ボックス 27">
             <a:extLst>
               <a:ext uri="{FF2B5EF4-FFF2-40B4-BE49-F238E27FC236}">
-                <a16:creationId xmlns:a16="http://schemas.microsoft.com/office/drawing/2014/main" id="{DB733CDB-9111-40FA-A721-698F821A0765}"/>
+                <a16:creationId xmlns:a16="http://schemas.microsoft.com/office/drawing/2014/main" xmlns="" id="{DB733CDB-9111-40FA-A721-698F821A0765}"/>
               </a:ext>
             </a:extLst>
           </p:cNvPr>
@@ -4545,7 +4581,7 @@
           <p:cNvPr id="29" name="フローチャート: 処理 28">
             <a:extLst>
               <a:ext uri="{FF2B5EF4-FFF2-40B4-BE49-F238E27FC236}">
-                <a16:creationId xmlns:a16="http://schemas.microsoft.com/office/drawing/2014/main" id="{274077B5-CC18-425F-913A-26F3345ADB9A}"/>
+                <a16:creationId xmlns:a16="http://schemas.microsoft.com/office/drawing/2014/main" xmlns="" id="{274077B5-CC18-425F-913A-26F3345ADB9A}"/>
               </a:ext>
             </a:extLst>
           </p:cNvPr>
@@ -4600,6 +4636,10 @@
               <a:rPr lang="ja-JP" altLang="en-US" sz="1100" dirty="0"/>
               <a:t>では、メーリングリストでの議論や、定期的にミーティングを</a:t>
             </a:r>
+            <a:r>
+              <a:rPr lang="en-US" altLang="ja-JP" sz="1100" dirty="0"/>
+              <a:t/>
+            </a:r>
             <a:br>
               <a:rPr lang="en-US" altLang="ja-JP" sz="1100" dirty="0"/>
             </a:br>
@@ -4792,7 +4832,7 @@
           <p:cNvPr id="30" name="テキスト ボックス 29">
             <a:extLst>
               <a:ext uri="{FF2B5EF4-FFF2-40B4-BE49-F238E27FC236}">
-                <a16:creationId xmlns:a16="http://schemas.microsoft.com/office/drawing/2014/main" id="{0D7E0406-C4BD-4D88-8884-D4AC279FAFB7}"/>
+                <a16:creationId xmlns:a16="http://schemas.microsoft.com/office/drawing/2014/main" xmlns="" id="{0D7E0406-C4BD-4D88-8884-D4AC279FAFB7}"/>
               </a:ext>
             </a:extLst>
           </p:cNvPr>
@@ -4840,7 +4880,7 @@
           <p:cNvPr id="32" name="図 31">
             <a:extLst>
               <a:ext uri="{FF2B5EF4-FFF2-40B4-BE49-F238E27FC236}">
-                <a16:creationId xmlns:a16="http://schemas.microsoft.com/office/drawing/2014/main" id="{233F546B-FF86-4A31-A220-839A7503C91C}"/>
+                <a16:creationId xmlns:a16="http://schemas.microsoft.com/office/drawing/2014/main" xmlns="" id="{233F546B-FF86-4A31-A220-839A7503C91C}"/>
               </a:ext>
             </a:extLst>
           </p:cNvPr>
@@ -4876,7 +4916,7 @@
           <p:cNvPr id="34" name="図 33">
             <a:extLst>
               <a:ext uri="{FF2B5EF4-FFF2-40B4-BE49-F238E27FC236}">
-                <a16:creationId xmlns:a16="http://schemas.microsoft.com/office/drawing/2014/main" id="{64F47E7C-658F-4406-9EE6-004F1B74232D}"/>
+                <a16:creationId xmlns:a16="http://schemas.microsoft.com/office/drawing/2014/main" xmlns="" id="{64F47E7C-658F-4406-9EE6-004F1B74232D}"/>
               </a:ext>
             </a:extLst>
           </p:cNvPr>
@@ -4917,7 +4957,7 @@
           <p:cNvPr id="38" name="図 37">
             <a:extLst>
               <a:ext uri="{FF2B5EF4-FFF2-40B4-BE49-F238E27FC236}">
-                <a16:creationId xmlns:a16="http://schemas.microsoft.com/office/drawing/2014/main" id="{84A95467-78EC-4C89-85D0-019176E39640}"/>
+                <a16:creationId xmlns:a16="http://schemas.microsoft.com/office/drawing/2014/main" xmlns="" id="{84A95467-78EC-4C89-85D0-019176E39640}"/>
               </a:ext>
             </a:extLst>
           </p:cNvPr>
@@ -4958,7 +4998,7 @@
           <p:cNvPr id="39" name="テキスト ボックス 38">
             <a:extLst>
               <a:ext uri="{FF2B5EF4-FFF2-40B4-BE49-F238E27FC236}">
-                <a16:creationId xmlns:a16="http://schemas.microsoft.com/office/drawing/2014/main" id="{D2A71918-342D-48D9-815C-0C33727FDA6D}"/>
+                <a16:creationId xmlns:a16="http://schemas.microsoft.com/office/drawing/2014/main" xmlns="" id="{D2A71918-342D-48D9-815C-0C33727FDA6D}"/>
               </a:ext>
             </a:extLst>
           </p:cNvPr>
@@ -4995,7 +5035,7 @@
           <p:cNvPr id="3" name="図 2">
             <a:extLst>
               <a:ext uri="{FF2B5EF4-FFF2-40B4-BE49-F238E27FC236}">
-                <a16:creationId xmlns:a16="http://schemas.microsoft.com/office/drawing/2014/main" id="{B5D70070-64F5-4F2E-95D3-581B99C363C2}"/>
+                <a16:creationId xmlns:a16="http://schemas.microsoft.com/office/drawing/2014/main" xmlns="" id="{B5D70070-64F5-4F2E-95D3-581B99C363C2}"/>
               </a:ext>
             </a:extLst>
           </p:cNvPr>
@@ -5031,7 +5071,7 @@
           <p:cNvPr id="24" name="フローチャート: 処理 23">
             <a:extLst>
               <a:ext uri="{FF2B5EF4-FFF2-40B4-BE49-F238E27FC236}">
-                <a16:creationId xmlns:a16="http://schemas.microsoft.com/office/drawing/2014/main" id="{B444897E-D154-4AC8-A66D-99416D3C7DE8}"/>
+                <a16:creationId xmlns:a16="http://schemas.microsoft.com/office/drawing/2014/main" xmlns="" id="{B444897E-D154-4AC8-A66D-99416D3C7DE8}"/>
               </a:ext>
             </a:extLst>
           </p:cNvPr>
@@ -5096,7 +5136,7 @@
           <p:cNvPr id="19" name="図 18">
             <a:extLst>
               <a:ext uri="{FF2B5EF4-FFF2-40B4-BE49-F238E27FC236}">
-                <a16:creationId xmlns:a16="http://schemas.microsoft.com/office/drawing/2014/main" id="{8C9DA080-8DE7-4F39-A6D4-FEF395625902}"/>
+                <a16:creationId xmlns:a16="http://schemas.microsoft.com/office/drawing/2014/main" xmlns="" id="{8C9DA080-8DE7-4F39-A6D4-FEF395625902}"/>
               </a:ext>
             </a:extLst>
           </p:cNvPr>
@@ -5132,7 +5172,7 @@
           <p:cNvPr id="25" name="テキスト ボックス 24">
             <a:extLst>
               <a:ext uri="{FF2B5EF4-FFF2-40B4-BE49-F238E27FC236}">
-                <a16:creationId xmlns:a16="http://schemas.microsoft.com/office/drawing/2014/main" id="{705A0514-A8E6-458C-ACE1-C2C7363EAC26}"/>
+                <a16:creationId xmlns:a16="http://schemas.microsoft.com/office/drawing/2014/main" xmlns="" id="{705A0514-A8E6-458C-ACE1-C2C7363EAC26}"/>
               </a:ext>
             </a:extLst>
           </p:cNvPr>
@@ -5221,7 +5261,7 @@
     </a:clrScheme>
     <a:fontScheme name="Office">
       <a:majorFont>
-        <a:latin typeface="游ゴシック Light" panose="020F0302020204030204"/>
+        <a:latin typeface="游ゴシック Light"/>
         <a:ea typeface=""/>
         <a:cs typeface=""/>
         <a:font script="Jpan" typeface="游ゴシック Light"/>
@@ -5273,7 +5313,7 @@
         <a:font script="Tfng" typeface="Ebrima"/>
       </a:majorFont>
       <a:minorFont>
-        <a:latin typeface="游ゴシック" panose="020F0502020204030204"/>
+        <a:latin typeface="游ゴシック"/>
         <a:ea typeface=""/>
         <a:cs typeface=""/>
         <a:font script="Jpan" typeface="游ゴシック"/>
@@ -5467,7 +5507,7 @@
   <a:extraClrSchemeLst/>
   <a:extLst>
     <a:ext uri="{05A4C25C-085E-4340-85A3-A5531E510DB2}">
-      <thm15:themeFamily xmlns:thm15="http://schemas.microsoft.com/office/thememl/2012/main" name="Office Theme" id="{62F939B6-93AF-4DB8-9C6B-D6C7DFDC589F}" vid="{4A3C46E8-61CC-4603-A589-7422A47A8E4A}"/>
+      <thm15:themeFamily xmlns:thm15="http://schemas.microsoft.com/office/thememl/2012/main" xmlns="" name="Office Theme" id="{62F939B6-93AF-4DB8-9C6B-D6C7DFDC589F}" vid="{4A3C46E8-61CC-4603-A589-7422A47A8E4A}"/>
     </a:ext>
   </a:extLst>
 </a:theme>

--- a/Leaflet/One-Page_Version/review/a_openchain_leaflet_20180629.pptx
+++ b/Leaflet/One-Page_Version/review/a_openchain_leaflet_20180629.pptx
@@ -106,7 +106,18 @@
   </p:defaultTextStyle>
   <p:extLst>
     <p:ext uri="{EFAFB233-063F-42B5-8137-9DF3F51BA10A}">
-      <p15:sldGuideLst xmlns:p15="http://schemas.microsoft.com/office/powerpoint/2012/main" xmlns=""/>
+      <p15:sldGuideLst xmlns:p15="http://schemas.microsoft.com/office/powerpoint/2012/main">
+        <p15:guide id="1" orient="horz" pos="3120">
+          <p15:clr>
+            <a:srgbClr val="A4A3A4"/>
+          </p15:clr>
+        </p15:guide>
+        <p15:guide id="2" pos="2160">
+          <p15:clr>
+            <a:srgbClr val="A4A3A4"/>
+          </p15:clr>
+        </p15:guide>
+      </p15:sldGuideLst>
     </p:ext>
   </p:extLst>
 </p:presentation>
@@ -134,7 +145,7 @@
           <p:cNvPr id="2" name="タイトル 1">
             <a:extLst>
               <a:ext uri="{FF2B5EF4-FFF2-40B4-BE49-F238E27FC236}">
-                <a16:creationId xmlns:a16="http://schemas.microsoft.com/office/drawing/2014/main" xmlns="" id="{D660D6C0-FBCE-42E6-B426-6FA125171F00}"/>
+                <a16:creationId xmlns:a16="http://schemas.microsoft.com/office/drawing/2014/main" id="{D660D6C0-FBCE-42E6-B426-6FA125171F00}"/>
               </a:ext>
             </a:extLst>
           </p:cNvPr>
@@ -171,7 +182,7 @@
           <p:cNvPr id="3" name="字幕 2">
             <a:extLst>
               <a:ext uri="{FF2B5EF4-FFF2-40B4-BE49-F238E27FC236}">
-                <a16:creationId xmlns:a16="http://schemas.microsoft.com/office/drawing/2014/main" xmlns="" id="{E7288A8A-AE2D-447C-8EF7-345CD43D17B2}"/>
+                <a16:creationId xmlns:a16="http://schemas.microsoft.com/office/drawing/2014/main" id="{E7288A8A-AE2D-447C-8EF7-345CD43D17B2}"/>
               </a:ext>
             </a:extLst>
           </p:cNvPr>
@@ -241,7 +252,7 @@
           <p:cNvPr id="4" name="日付プレースホルダー 3">
             <a:extLst>
               <a:ext uri="{FF2B5EF4-FFF2-40B4-BE49-F238E27FC236}">
-                <a16:creationId xmlns:a16="http://schemas.microsoft.com/office/drawing/2014/main" xmlns="" id="{E7647311-1169-4F97-811F-A821395946D9}"/>
+                <a16:creationId xmlns:a16="http://schemas.microsoft.com/office/drawing/2014/main" id="{E7647311-1169-4F97-811F-A821395946D9}"/>
               </a:ext>
             </a:extLst>
           </p:cNvPr>
@@ -259,7 +270,7 @@
           <a:p>
             <a:fld id="{83F10594-1B62-4B90-920A-44E63AFA5E18}" type="datetimeFigureOut">
               <a:rPr kumimoji="1" lang="ja-JP" altLang="en-US" smtClean="0"/>
-              <a:t>18/07/26</a:t>
+              <a:t>2018/7/30</a:t>
             </a:fld>
             <a:endParaRPr kumimoji="1" lang="ja-JP" altLang="en-US"/>
           </a:p>
@@ -270,7 +281,7 @@
           <p:cNvPr id="5" name="フッター プレースホルダー 4">
             <a:extLst>
               <a:ext uri="{FF2B5EF4-FFF2-40B4-BE49-F238E27FC236}">
-                <a16:creationId xmlns:a16="http://schemas.microsoft.com/office/drawing/2014/main" xmlns="" id="{3F691835-DD7E-4C05-AB68-70FE54410AF1}"/>
+                <a16:creationId xmlns:a16="http://schemas.microsoft.com/office/drawing/2014/main" id="{3F691835-DD7E-4C05-AB68-70FE54410AF1}"/>
               </a:ext>
             </a:extLst>
           </p:cNvPr>
@@ -295,7 +306,7 @@
           <p:cNvPr id="6" name="スライド番号プレースホルダー 5">
             <a:extLst>
               <a:ext uri="{FF2B5EF4-FFF2-40B4-BE49-F238E27FC236}">
-                <a16:creationId xmlns:a16="http://schemas.microsoft.com/office/drawing/2014/main" xmlns="" id="{5499D2F6-E21F-4022-8EE5-8BAF283582F2}"/>
+                <a16:creationId xmlns:a16="http://schemas.microsoft.com/office/drawing/2014/main" id="{5499D2F6-E21F-4022-8EE5-8BAF283582F2}"/>
               </a:ext>
             </a:extLst>
           </p:cNvPr>
@@ -354,7 +365,7 @@
           <p:cNvPr id="2" name="タイトル 1">
             <a:extLst>
               <a:ext uri="{FF2B5EF4-FFF2-40B4-BE49-F238E27FC236}">
-                <a16:creationId xmlns:a16="http://schemas.microsoft.com/office/drawing/2014/main" xmlns="" id="{9F9965AA-2ED5-42DC-A41D-CD63CBA05BE9}"/>
+                <a16:creationId xmlns:a16="http://schemas.microsoft.com/office/drawing/2014/main" id="{9F9965AA-2ED5-42DC-A41D-CD63CBA05BE9}"/>
               </a:ext>
             </a:extLst>
           </p:cNvPr>
@@ -382,7 +393,7 @@
           <p:cNvPr id="3" name="縦書きテキスト プレースホルダー 2">
             <a:extLst>
               <a:ext uri="{FF2B5EF4-FFF2-40B4-BE49-F238E27FC236}">
-                <a16:creationId xmlns:a16="http://schemas.microsoft.com/office/drawing/2014/main" xmlns="" id="{9B6998EB-4337-4462-ABEC-CA77A6E630AC}"/>
+                <a16:creationId xmlns:a16="http://schemas.microsoft.com/office/drawing/2014/main" id="{9B6998EB-4337-4462-ABEC-CA77A6E630AC}"/>
               </a:ext>
             </a:extLst>
           </p:cNvPr>
@@ -471,7 +482,7 @@
           <p:cNvPr id="4" name="日付プレースホルダー 3">
             <a:extLst>
               <a:ext uri="{FF2B5EF4-FFF2-40B4-BE49-F238E27FC236}">
-                <a16:creationId xmlns:a16="http://schemas.microsoft.com/office/drawing/2014/main" xmlns="" id="{C678638F-ECF8-4AE4-A047-4C09100AC7B2}"/>
+                <a16:creationId xmlns:a16="http://schemas.microsoft.com/office/drawing/2014/main" id="{C678638F-ECF8-4AE4-A047-4C09100AC7B2}"/>
               </a:ext>
             </a:extLst>
           </p:cNvPr>
@@ -489,7 +500,7 @@
           <a:p>
             <a:fld id="{83F10594-1B62-4B90-920A-44E63AFA5E18}" type="datetimeFigureOut">
               <a:rPr kumimoji="1" lang="ja-JP" altLang="en-US" smtClean="0"/>
-              <a:t>18/07/26</a:t>
+              <a:t>2018/7/30</a:t>
             </a:fld>
             <a:endParaRPr kumimoji="1" lang="ja-JP" altLang="en-US"/>
           </a:p>
@@ -500,7 +511,7 @@
           <p:cNvPr id="5" name="フッター プレースホルダー 4">
             <a:extLst>
               <a:ext uri="{FF2B5EF4-FFF2-40B4-BE49-F238E27FC236}">
-                <a16:creationId xmlns:a16="http://schemas.microsoft.com/office/drawing/2014/main" xmlns="" id="{C6D300A3-2B52-4256-9487-9FDB6EE0CCF5}"/>
+                <a16:creationId xmlns:a16="http://schemas.microsoft.com/office/drawing/2014/main" id="{C6D300A3-2B52-4256-9487-9FDB6EE0CCF5}"/>
               </a:ext>
             </a:extLst>
           </p:cNvPr>
@@ -525,7 +536,7 @@
           <p:cNvPr id="6" name="スライド番号プレースホルダー 5">
             <a:extLst>
               <a:ext uri="{FF2B5EF4-FFF2-40B4-BE49-F238E27FC236}">
-                <a16:creationId xmlns:a16="http://schemas.microsoft.com/office/drawing/2014/main" xmlns="" id="{99B3F3E7-428E-4F44-AF42-F34EE5568E54}"/>
+                <a16:creationId xmlns:a16="http://schemas.microsoft.com/office/drawing/2014/main" id="{99B3F3E7-428E-4F44-AF42-F34EE5568E54}"/>
               </a:ext>
             </a:extLst>
           </p:cNvPr>
@@ -584,7 +595,7 @@
           <p:cNvPr id="2" name="縦書きタイトル 1">
             <a:extLst>
               <a:ext uri="{FF2B5EF4-FFF2-40B4-BE49-F238E27FC236}">
-                <a16:creationId xmlns:a16="http://schemas.microsoft.com/office/drawing/2014/main" xmlns="" id="{527F9870-C4BE-4832-9F6C-542872B1BB6F}"/>
+                <a16:creationId xmlns:a16="http://schemas.microsoft.com/office/drawing/2014/main" id="{527F9870-C4BE-4832-9F6C-542872B1BB6F}"/>
               </a:ext>
             </a:extLst>
           </p:cNvPr>
@@ -617,7 +628,7 @@
           <p:cNvPr id="3" name="縦書きテキスト プレースホルダー 2">
             <a:extLst>
               <a:ext uri="{FF2B5EF4-FFF2-40B4-BE49-F238E27FC236}">
-                <a16:creationId xmlns:a16="http://schemas.microsoft.com/office/drawing/2014/main" xmlns="" id="{04B1F036-2C2B-4A2B-855D-1C0574A799AD}"/>
+                <a16:creationId xmlns:a16="http://schemas.microsoft.com/office/drawing/2014/main" id="{04B1F036-2C2B-4A2B-855D-1C0574A799AD}"/>
               </a:ext>
             </a:extLst>
           </p:cNvPr>
@@ -711,7 +722,7 @@
           <p:cNvPr id="4" name="日付プレースホルダー 3">
             <a:extLst>
               <a:ext uri="{FF2B5EF4-FFF2-40B4-BE49-F238E27FC236}">
-                <a16:creationId xmlns:a16="http://schemas.microsoft.com/office/drawing/2014/main" xmlns="" id="{F0E4B36C-189E-4564-8CEC-F8D16EA3C3F2}"/>
+                <a16:creationId xmlns:a16="http://schemas.microsoft.com/office/drawing/2014/main" id="{F0E4B36C-189E-4564-8CEC-F8D16EA3C3F2}"/>
               </a:ext>
             </a:extLst>
           </p:cNvPr>
@@ -729,7 +740,7 @@
           <a:p>
             <a:fld id="{83F10594-1B62-4B90-920A-44E63AFA5E18}" type="datetimeFigureOut">
               <a:rPr kumimoji="1" lang="ja-JP" altLang="en-US" smtClean="0"/>
-              <a:t>18/07/26</a:t>
+              <a:t>2018/7/30</a:t>
             </a:fld>
             <a:endParaRPr kumimoji="1" lang="ja-JP" altLang="en-US"/>
           </a:p>
@@ -740,7 +751,7 @@
           <p:cNvPr id="5" name="フッター プレースホルダー 4">
             <a:extLst>
               <a:ext uri="{FF2B5EF4-FFF2-40B4-BE49-F238E27FC236}">
-                <a16:creationId xmlns:a16="http://schemas.microsoft.com/office/drawing/2014/main" xmlns="" id="{7EBF40E7-653C-4597-83FA-F173957381ED}"/>
+                <a16:creationId xmlns:a16="http://schemas.microsoft.com/office/drawing/2014/main" id="{7EBF40E7-653C-4597-83FA-F173957381ED}"/>
               </a:ext>
             </a:extLst>
           </p:cNvPr>
@@ -765,7 +776,7 @@
           <p:cNvPr id="6" name="スライド番号プレースホルダー 5">
             <a:extLst>
               <a:ext uri="{FF2B5EF4-FFF2-40B4-BE49-F238E27FC236}">
-                <a16:creationId xmlns:a16="http://schemas.microsoft.com/office/drawing/2014/main" xmlns="" id="{AF2EC7C2-D360-4562-9144-602720617DFC}"/>
+                <a16:creationId xmlns:a16="http://schemas.microsoft.com/office/drawing/2014/main" id="{AF2EC7C2-D360-4562-9144-602720617DFC}"/>
               </a:ext>
             </a:extLst>
           </p:cNvPr>
@@ -824,7 +835,7 @@
           <p:cNvPr id="2" name="タイトル 1">
             <a:extLst>
               <a:ext uri="{FF2B5EF4-FFF2-40B4-BE49-F238E27FC236}">
-                <a16:creationId xmlns:a16="http://schemas.microsoft.com/office/drawing/2014/main" xmlns="" id="{842C9866-29B7-4D7F-8E00-5174D2E55DF2}"/>
+                <a16:creationId xmlns:a16="http://schemas.microsoft.com/office/drawing/2014/main" id="{842C9866-29B7-4D7F-8E00-5174D2E55DF2}"/>
               </a:ext>
             </a:extLst>
           </p:cNvPr>
@@ -852,7 +863,7 @@
           <p:cNvPr id="3" name="コンテンツ プレースホルダー 2">
             <a:extLst>
               <a:ext uri="{FF2B5EF4-FFF2-40B4-BE49-F238E27FC236}">
-                <a16:creationId xmlns:a16="http://schemas.microsoft.com/office/drawing/2014/main" xmlns="" id="{15F54CCF-B672-4EA2-B3C0-BB2D2A6BD6E8}"/>
+                <a16:creationId xmlns:a16="http://schemas.microsoft.com/office/drawing/2014/main" id="{15F54CCF-B672-4EA2-B3C0-BB2D2A6BD6E8}"/>
               </a:ext>
             </a:extLst>
           </p:cNvPr>
@@ -941,7 +952,7 @@
           <p:cNvPr id="4" name="日付プレースホルダー 3">
             <a:extLst>
               <a:ext uri="{FF2B5EF4-FFF2-40B4-BE49-F238E27FC236}">
-                <a16:creationId xmlns:a16="http://schemas.microsoft.com/office/drawing/2014/main" xmlns="" id="{018DF206-C490-4498-A1F8-526B7C61A20B}"/>
+                <a16:creationId xmlns:a16="http://schemas.microsoft.com/office/drawing/2014/main" id="{018DF206-C490-4498-A1F8-526B7C61A20B}"/>
               </a:ext>
             </a:extLst>
           </p:cNvPr>
@@ -959,7 +970,7 @@
           <a:p>
             <a:fld id="{83F10594-1B62-4B90-920A-44E63AFA5E18}" type="datetimeFigureOut">
               <a:rPr kumimoji="1" lang="ja-JP" altLang="en-US" smtClean="0"/>
-              <a:t>18/07/26</a:t>
+              <a:t>2018/7/30</a:t>
             </a:fld>
             <a:endParaRPr kumimoji="1" lang="ja-JP" altLang="en-US"/>
           </a:p>
@@ -970,7 +981,7 @@
           <p:cNvPr id="5" name="フッター プレースホルダー 4">
             <a:extLst>
               <a:ext uri="{FF2B5EF4-FFF2-40B4-BE49-F238E27FC236}">
-                <a16:creationId xmlns:a16="http://schemas.microsoft.com/office/drawing/2014/main" xmlns="" id="{EAAE8BC5-90BD-4F57-A201-047404050A8D}"/>
+                <a16:creationId xmlns:a16="http://schemas.microsoft.com/office/drawing/2014/main" id="{EAAE8BC5-90BD-4F57-A201-047404050A8D}"/>
               </a:ext>
             </a:extLst>
           </p:cNvPr>
@@ -995,7 +1006,7 @@
           <p:cNvPr id="6" name="スライド番号プレースホルダー 5">
             <a:extLst>
               <a:ext uri="{FF2B5EF4-FFF2-40B4-BE49-F238E27FC236}">
-                <a16:creationId xmlns:a16="http://schemas.microsoft.com/office/drawing/2014/main" xmlns="" id="{6A073DB3-10CA-42C1-8CF4-C5B024EEB56E}"/>
+                <a16:creationId xmlns:a16="http://schemas.microsoft.com/office/drawing/2014/main" id="{6A073DB3-10CA-42C1-8CF4-C5B024EEB56E}"/>
               </a:ext>
             </a:extLst>
           </p:cNvPr>
@@ -1054,7 +1065,7 @@
           <p:cNvPr id="2" name="タイトル 1">
             <a:extLst>
               <a:ext uri="{FF2B5EF4-FFF2-40B4-BE49-F238E27FC236}">
-                <a16:creationId xmlns:a16="http://schemas.microsoft.com/office/drawing/2014/main" xmlns="" id="{E021E334-BC00-4E3E-ACD6-288A6F46C96E}"/>
+                <a16:creationId xmlns:a16="http://schemas.microsoft.com/office/drawing/2014/main" id="{E021E334-BC00-4E3E-ACD6-288A6F46C96E}"/>
               </a:ext>
             </a:extLst>
           </p:cNvPr>
@@ -1091,7 +1102,7 @@
           <p:cNvPr id="3" name="テキスト プレースホルダー 2">
             <a:extLst>
               <a:ext uri="{FF2B5EF4-FFF2-40B4-BE49-F238E27FC236}">
-                <a16:creationId xmlns:a16="http://schemas.microsoft.com/office/drawing/2014/main" xmlns="" id="{C1B165A6-C4DB-43AB-8EC0-F7AD2092914B}"/>
+                <a16:creationId xmlns:a16="http://schemas.microsoft.com/office/drawing/2014/main" id="{C1B165A6-C4DB-43AB-8EC0-F7AD2092914B}"/>
               </a:ext>
             </a:extLst>
           </p:cNvPr>
@@ -1216,7 +1227,7 @@
           <p:cNvPr id="4" name="日付プレースホルダー 3">
             <a:extLst>
               <a:ext uri="{FF2B5EF4-FFF2-40B4-BE49-F238E27FC236}">
-                <a16:creationId xmlns:a16="http://schemas.microsoft.com/office/drawing/2014/main" xmlns="" id="{5FBF22B7-B737-4B76-9725-B7285384AF39}"/>
+                <a16:creationId xmlns:a16="http://schemas.microsoft.com/office/drawing/2014/main" id="{5FBF22B7-B737-4B76-9725-B7285384AF39}"/>
               </a:ext>
             </a:extLst>
           </p:cNvPr>
@@ -1234,7 +1245,7 @@
           <a:p>
             <a:fld id="{83F10594-1B62-4B90-920A-44E63AFA5E18}" type="datetimeFigureOut">
               <a:rPr kumimoji="1" lang="ja-JP" altLang="en-US" smtClean="0"/>
-              <a:t>18/07/26</a:t>
+              <a:t>2018/7/30</a:t>
             </a:fld>
             <a:endParaRPr kumimoji="1" lang="ja-JP" altLang="en-US"/>
           </a:p>
@@ -1245,7 +1256,7 @@
           <p:cNvPr id="5" name="フッター プレースホルダー 4">
             <a:extLst>
               <a:ext uri="{FF2B5EF4-FFF2-40B4-BE49-F238E27FC236}">
-                <a16:creationId xmlns:a16="http://schemas.microsoft.com/office/drawing/2014/main" xmlns="" id="{26BEF98D-27F5-44B2-B041-7269780414A0}"/>
+                <a16:creationId xmlns:a16="http://schemas.microsoft.com/office/drawing/2014/main" id="{26BEF98D-27F5-44B2-B041-7269780414A0}"/>
               </a:ext>
             </a:extLst>
           </p:cNvPr>
@@ -1270,7 +1281,7 @@
           <p:cNvPr id="6" name="スライド番号プレースホルダー 5">
             <a:extLst>
               <a:ext uri="{FF2B5EF4-FFF2-40B4-BE49-F238E27FC236}">
-                <a16:creationId xmlns:a16="http://schemas.microsoft.com/office/drawing/2014/main" xmlns="" id="{83508419-CCE7-4D4F-B850-9384536ABF3F}"/>
+                <a16:creationId xmlns:a16="http://schemas.microsoft.com/office/drawing/2014/main" id="{83508419-CCE7-4D4F-B850-9384536ABF3F}"/>
               </a:ext>
             </a:extLst>
           </p:cNvPr>
@@ -1329,7 +1340,7 @@
           <p:cNvPr id="2" name="タイトル 1">
             <a:extLst>
               <a:ext uri="{FF2B5EF4-FFF2-40B4-BE49-F238E27FC236}">
-                <a16:creationId xmlns:a16="http://schemas.microsoft.com/office/drawing/2014/main" xmlns="" id="{FF7E7116-8EDA-4B7E-BECB-51A5F2BB361C}"/>
+                <a16:creationId xmlns:a16="http://schemas.microsoft.com/office/drawing/2014/main" id="{FF7E7116-8EDA-4B7E-BECB-51A5F2BB361C}"/>
               </a:ext>
             </a:extLst>
           </p:cNvPr>
@@ -1357,7 +1368,7 @@
           <p:cNvPr id="3" name="コンテンツ プレースホルダー 2">
             <a:extLst>
               <a:ext uri="{FF2B5EF4-FFF2-40B4-BE49-F238E27FC236}">
-                <a16:creationId xmlns:a16="http://schemas.microsoft.com/office/drawing/2014/main" xmlns="" id="{F43444E1-9FB8-4772-8ED2-C196F102D9F1}"/>
+                <a16:creationId xmlns:a16="http://schemas.microsoft.com/office/drawing/2014/main" id="{F43444E1-9FB8-4772-8ED2-C196F102D9F1}"/>
               </a:ext>
             </a:extLst>
           </p:cNvPr>
@@ -1451,7 +1462,7 @@
           <p:cNvPr id="4" name="コンテンツ プレースホルダー 3">
             <a:extLst>
               <a:ext uri="{FF2B5EF4-FFF2-40B4-BE49-F238E27FC236}">
-                <a16:creationId xmlns:a16="http://schemas.microsoft.com/office/drawing/2014/main" xmlns="" id="{1D120305-3A51-492A-927C-C001C998DE25}"/>
+                <a16:creationId xmlns:a16="http://schemas.microsoft.com/office/drawing/2014/main" id="{1D120305-3A51-492A-927C-C001C998DE25}"/>
               </a:ext>
             </a:extLst>
           </p:cNvPr>
@@ -1545,7 +1556,7 @@
           <p:cNvPr id="5" name="日付プレースホルダー 4">
             <a:extLst>
               <a:ext uri="{FF2B5EF4-FFF2-40B4-BE49-F238E27FC236}">
-                <a16:creationId xmlns:a16="http://schemas.microsoft.com/office/drawing/2014/main" xmlns="" id="{CB1EBFAB-F991-415D-9D5C-67F4E61E4EBC}"/>
+                <a16:creationId xmlns:a16="http://schemas.microsoft.com/office/drawing/2014/main" id="{CB1EBFAB-F991-415D-9D5C-67F4E61E4EBC}"/>
               </a:ext>
             </a:extLst>
           </p:cNvPr>
@@ -1563,7 +1574,7 @@
           <a:p>
             <a:fld id="{83F10594-1B62-4B90-920A-44E63AFA5E18}" type="datetimeFigureOut">
               <a:rPr kumimoji="1" lang="ja-JP" altLang="en-US" smtClean="0"/>
-              <a:t>18/07/26</a:t>
+              <a:t>2018/7/30</a:t>
             </a:fld>
             <a:endParaRPr kumimoji="1" lang="ja-JP" altLang="en-US"/>
           </a:p>
@@ -1574,7 +1585,7 @@
           <p:cNvPr id="6" name="フッター プレースホルダー 5">
             <a:extLst>
               <a:ext uri="{FF2B5EF4-FFF2-40B4-BE49-F238E27FC236}">
-                <a16:creationId xmlns:a16="http://schemas.microsoft.com/office/drawing/2014/main" xmlns="" id="{262C7230-6FA1-4C3D-AF47-BB382F072BBE}"/>
+                <a16:creationId xmlns:a16="http://schemas.microsoft.com/office/drawing/2014/main" id="{262C7230-6FA1-4C3D-AF47-BB382F072BBE}"/>
               </a:ext>
             </a:extLst>
           </p:cNvPr>
@@ -1599,7 +1610,7 @@
           <p:cNvPr id="7" name="スライド番号プレースホルダー 6">
             <a:extLst>
               <a:ext uri="{FF2B5EF4-FFF2-40B4-BE49-F238E27FC236}">
-                <a16:creationId xmlns:a16="http://schemas.microsoft.com/office/drawing/2014/main" xmlns="" id="{6B5B9B6D-9EB8-4B9C-8880-F10E23907D54}"/>
+                <a16:creationId xmlns:a16="http://schemas.microsoft.com/office/drawing/2014/main" id="{6B5B9B6D-9EB8-4B9C-8880-F10E23907D54}"/>
               </a:ext>
             </a:extLst>
           </p:cNvPr>
@@ -1658,7 +1669,7 @@
           <p:cNvPr id="2" name="タイトル 1">
             <a:extLst>
               <a:ext uri="{FF2B5EF4-FFF2-40B4-BE49-F238E27FC236}">
-                <a16:creationId xmlns:a16="http://schemas.microsoft.com/office/drawing/2014/main" xmlns="" id="{83C60BF6-FF70-4C21-8439-C0513B353EAB}"/>
+                <a16:creationId xmlns:a16="http://schemas.microsoft.com/office/drawing/2014/main" id="{83C60BF6-FF70-4C21-8439-C0513B353EAB}"/>
               </a:ext>
             </a:extLst>
           </p:cNvPr>
@@ -1691,7 +1702,7 @@
           <p:cNvPr id="3" name="テキスト プレースホルダー 2">
             <a:extLst>
               <a:ext uri="{FF2B5EF4-FFF2-40B4-BE49-F238E27FC236}">
-                <a16:creationId xmlns:a16="http://schemas.microsoft.com/office/drawing/2014/main" xmlns="" id="{2EE09130-E04B-45C6-8B4F-BE4A46933DF9}"/>
+                <a16:creationId xmlns:a16="http://schemas.microsoft.com/office/drawing/2014/main" id="{2EE09130-E04B-45C6-8B4F-BE4A46933DF9}"/>
               </a:ext>
             </a:extLst>
           </p:cNvPr>
@@ -1762,7 +1773,7 @@
           <p:cNvPr id="4" name="コンテンツ プレースホルダー 3">
             <a:extLst>
               <a:ext uri="{FF2B5EF4-FFF2-40B4-BE49-F238E27FC236}">
-                <a16:creationId xmlns:a16="http://schemas.microsoft.com/office/drawing/2014/main" xmlns="" id="{4B35D4B4-AC1A-447B-9E92-7EB864E77657}"/>
+                <a16:creationId xmlns:a16="http://schemas.microsoft.com/office/drawing/2014/main" id="{4B35D4B4-AC1A-447B-9E92-7EB864E77657}"/>
               </a:ext>
             </a:extLst>
           </p:cNvPr>
@@ -1856,7 +1867,7 @@
           <p:cNvPr id="5" name="テキスト プレースホルダー 4">
             <a:extLst>
               <a:ext uri="{FF2B5EF4-FFF2-40B4-BE49-F238E27FC236}">
-                <a16:creationId xmlns:a16="http://schemas.microsoft.com/office/drawing/2014/main" xmlns="" id="{C59772BC-4022-40B4-8CDF-8F1F51693EED}"/>
+                <a16:creationId xmlns:a16="http://schemas.microsoft.com/office/drawing/2014/main" id="{C59772BC-4022-40B4-8CDF-8F1F51693EED}"/>
               </a:ext>
             </a:extLst>
           </p:cNvPr>
@@ -1927,7 +1938,7 @@
           <p:cNvPr id="6" name="コンテンツ プレースホルダー 5">
             <a:extLst>
               <a:ext uri="{FF2B5EF4-FFF2-40B4-BE49-F238E27FC236}">
-                <a16:creationId xmlns:a16="http://schemas.microsoft.com/office/drawing/2014/main" xmlns="" id="{15C7D202-5DFA-4CC2-B7BF-CBC47541B4A3}"/>
+                <a16:creationId xmlns:a16="http://schemas.microsoft.com/office/drawing/2014/main" id="{15C7D202-5DFA-4CC2-B7BF-CBC47541B4A3}"/>
               </a:ext>
             </a:extLst>
           </p:cNvPr>
@@ -2021,7 +2032,7 @@
           <p:cNvPr id="7" name="日付プレースホルダー 6">
             <a:extLst>
               <a:ext uri="{FF2B5EF4-FFF2-40B4-BE49-F238E27FC236}">
-                <a16:creationId xmlns:a16="http://schemas.microsoft.com/office/drawing/2014/main" xmlns="" id="{03912EEE-14FB-477A-BB57-C89435991D11}"/>
+                <a16:creationId xmlns:a16="http://schemas.microsoft.com/office/drawing/2014/main" id="{03912EEE-14FB-477A-BB57-C89435991D11}"/>
               </a:ext>
             </a:extLst>
           </p:cNvPr>
@@ -2039,7 +2050,7 @@
           <a:p>
             <a:fld id="{83F10594-1B62-4B90-920A-44E63AFA5E18}" type="datetimeFigureOut">
               <a:rPr kumimoji="1" lang="ja-JP" altLang="en-US" smtClean="0"/>
-              <a:t>18/07/26</a:t>
+              <a:t>2018/7/30</a:t>
             </a:fld>
             <a:endParaRPr kumimoji="1" lang="ja-JP" altLang="en-US"/>
           </a:p>
@@ -2050,7 +2061,7 @@
           <p:cNvPr id="8" name="フッター プレースホルダー 7">
             <a:extLst>
               <a:ext uri="{FF2B5EF4-FFF2-40B4-BE49-F238E27FC236}">
-                <a16:creationId xmlns:a16="http://schemas.microsoft.com/office/drawing/2014/main" xmlns="" id="{8926CE11-E2CE-4473-842F-18176B54B9C0}"/>
+                <a16:creationId xmlns:a16="http://schemas.microsoft.com/office/drawing/2014/main" id="{8926CE11-E2CE-4473-842F-18176B54B9C0}"/>
               </a:ext>
             </a:extLst>
           </p:cNvPr>
@@ -2075,7 +2086,7 @@
           <p:cNvPr id="9" name="スライド番号プレースホルダー 8">
             <a:extLst>
               <a:ext uri="{FF2B5EF4-FFF2-40B4-BE49-F238E27FC236}">
-                <a16:creationId xmlns:a16="http://schemas.microsoft.com/office/drawing/2014/main" xmlns="" id="{0365A9F8-690E-4C75-A24E-6F5D8D3D9289}"/>
+                <a16:creationId xmlns:a16="http://schemas.microsoft.com/office/drawing/2014/main" id="{0365A9F8-690E-4C75-A24E-6F5D8D3D9289}"/>
               </a:ext>
             </a:extLst>
           </p:cNvPr>
@@ -2134,7 +2145,7 @@
           <p:cNvPr id="2" name="タイトル 1">
             <a:extLst>
               <a:ext uri="{FF2B5EF4-FFF2-40B4-BE49-F238E27FC236}">
-                <a16:creationId xmlns:a16="http://schemas.microsoft.com/office/drawing/2014/main" xmlns="" id="{55783442-0AB2-432A-9471-268A95CDACB9}"/>
+                <a16:creationId xmlns:a16="http://schemas.microsoft.com/office/drawing/2014/main" id="{55783442-0AB2-432A-9471-268A95CDACB9}"/>
               </a:ext>
             </a:extLst>
           </p:cNvPr>
@@ -2162,7 +2173,7 @@
           <p:cNvPr id="3" name="日付プレースホルダー 2">
             <a:extLst>
               <a:ext uri="{FF2B5EF4-FFF2-40B4-BE49-F238E27FC236}">
-                <a16:creationId xmlns:a16="http://schemas.microsoft.com/office/drawing/2014/main" xmlns="" id="{E3692241-4CF9-4C0B-BB87-22D56E35E941}"/>
+                <a16:creationId xmlns:a16="http://schemas.microsoft.com/office/drawing/2014/main" id="{E3692241-4CF9-4C0B-BB87-22D56E35E941}"/>
               </a:ext>
             </a:extLst>
           </p:cNvPr>
@@ -2180,7 +2191,7 @@
           <a:p>
             <a:fld id="{83F10594-1B62-4B90-920A-44E63AFA5E18}" type="datetimeFigureOut">
               <a:rPr kumimoji="1" lang="ja-JP" altLang="en-US" smtClean="0"/>
-              <a:t>18/07/26</a:t>
+              <a:t>2018/7/30</a:t>
             </a:fld>
             <a:endParaRPr kumimoji="1" lang="ja-JP" altLang="en-US"/>
           </a:p>
@@ -2191,7 +2202,7 @@
           <p:cNvPr id="4" name="フッター プレースホルダー 3">
             <a:extLst>
               <a:ext uri="{FF2B5EF4-FFF2-40B4-BE49-F238E27FC236}">
-                <a16:creationId xmlns:a16="http://schemas.microsoft.com/office/drawing/2014/main" xmlns="" id="{58F36A5D-F3E8-4480-93A0-D979A30E029A}"/>
+                <a16:creationId xmlns:a16="http://schemas.microsoft.com/office/drawing/2014/main" id="{58F36A5D-F3E8-4480-93A0-D979A30E029A}"/>
               </a:ext>
             </a:extLst>
           </p:cNvPr>
@@ -2216,7 +2227,7 @@
           <p:cNvPr id="5" name="スライド番号プレースホルダー 4">
             <a:extLst>
               <a:ext uri="{FF2B5EF4-FFF2-40B4-BE49-F238E27FC236}">
-                <a16:creationId xmlns:a16="http://schemas.microsoft.com/office/drawing/2014/main" xmlns="" id="{1519316A-59BD-4BD8-8AB2-B4984C7A40A4}"/>
+                <a16:creationId xmlns:a16="http://schemas.microsoft.com/office/drawing/2014/main" id="{1519316A-59BD-4BD8-8AB2-B4984C7A40A4}"/>
               </a:ext>
             </a:extLst>
           </p:cNvPr>
@@ -2275,7 +2286,7 @@
           <p:cNvPr id="2" name="日付プレースホルダー 1">
             <a:extLst>
               <a:ext uri="{FF2B5EF4-FFF2-40B4-BE49-F238E27FC236}">
-                <a16:creationId xmlns:a16="http://schemas.microsoft.com/office/drawing/2014/main" xmlns="" id="{DCE940E3-3C94-4EA2-A263-2906F67321F1}"/>
+                <a16:creationId xmlns:a16="http://schemas.microsoft.com/office/drawing/2014/main" id="{DCE940E3-3C94-4EA2-A263-2906F67321F1}"/>
               </a:ext>
             </a:extLst>
           </p:cNvPr>
@@ -2293,7 +2304,7 @@
           <a:p>
             <a:fld id="{83F10594-1B62-4B90-920A-44E63AFA5E18}" type="datetimeFigureOut">
               <a:rPr kumimoji="1" lang="ja-JP" altLang="en-US" smtClean="0"/>
-              <a:t>18/07/26</a:t>
+              <a:t>2018/7/30</a:t>
             </a:fld>
             <a:endParaRPr kumimoji="1" lang="ja-JP" altLang="en-US"/>
           </a:p>
@@ -2304,7 +2315,7 @@
           <p:cNvPr id="3" name="フッター プレースホルダー 2">
             <a:extLst>
               <a:ext uri="{FF2B5EF4-FFF2-40B4-BE49-F238E27FC236}">
-                <a16:creationId xmlns:a16="http://schemas.microsoft.com/office/drawing/2014/main" xmlns="" id="{0CBD0DB6-EB3D-4664-950E-61B496AC8123}"/>
+                <a16:creationId xmlns:a16="http://schemas.microsoft.com/office/drawing/2014/main" id="{0CBD0DB6-EB3D-4664-950E-61B496AC8123}"/>
               </a:ext>
             </a:extLst>
           </p:cNvPr>
@@ -2329,7 +2340,7 @@
           <p:cNvPr id="4" name="スライド番号プレースホルダー 3">
             <a:extLst>
               <a:ext uri="{FF2B5EF4-FFF2-40B4-BE49-F238E27FC236}">
-                <a16:creationId xmlns:a16="http://schemas.microsoft.com/office/drawing/2014/main" xmlns="" id="{0E918613-DD62-457C-B302-30977DE6CE19}"/>
+                <a16:creationId xmlns:a16="http://schemas.microsoft.com/office/drawing/2014/main" id="{0E918613-DD62-457C-B302-30977DE6CE19}"/>
               </a:ext>
             </a:extLst>
           </p:cNvPr>
@@ -2388,7 +2399,7 @@
           <p:cNvPr id="2" name="タイトル 1">
             <a:extLst>
               <a:ext uri="{FF2B5EF4-FFF2-40B4-BE49-F238E27FC236}">
-                <a16:creationId xmlns:a16="http://schemas.microsoft.com/office/drawing/2014/main" xmlns="" id="{A8DA3A07-C011-461E-A44B-23EAA6039F8B}"/>
+                <a16:creationId xmlns:a16="http://schemas.microsoft.com/office/drawing/2014/main" id="{A8DA3A07-C011-461E-A44B-23EAA6039F8B}"/>
               </a:ext>
             </a:extLst>
           </p:cNvPr>
@@ -2425,7 +2436,7 @@
           <p:cNvPr id="3" name="コンテンツ プレースホルダー 2">
             <a:extLst>
               <a:ext uri="{FF2B5EF4-FFF2-40B4-BE49-F238E27FC236}">
-                <a16:creationId xmlns:a16="http://schemas.microsoft.com/office/drawing/2014/main" xmlns="" id="{D96FE026-4B67-4798-9DB0-7890A3CB8B27}"/>
+                <a16:creationId xmlns:a16="http://schemas.microsoft.com/office/drawing/2014/main" id="{D96FE026-4B67-4798-9DB0-7890A3CB8B27}"/>
               </a:ext>
             </a:extLst>
           </p:cNvPr>
@@ -2547,7 +2558,7 @@
           <p:cNvPr id="4" name="テキスト プレースホルダー 3">
             <a:extLst>
               <a:ext uri="{FF2B5EF4-FFF2-40B4-BE49-F238E27FC236}">
-                <a16:creationId xmlns:a16="http://schemas.microsoft.com/office/drawing/2014/main" xmlns="" id="{AD5E4E23-C3AD-4249-9ED6-09210E3270F8}"/>
+                <a16:creationId xmlns:a16="http://schemas.microsoft.com/office/drawing/2014/main" id="{AD5E4E23-C3AD-4249-9ED6-09210E3270F8}"/>
               </a:ext>
             </a:extLst>
           </p:cNvPr>
@@ -2618,7 +2629,7 @@
           <p:cNvPr id="5" name="日付プレースホルダー 4">
             <a:extLst>
               <a:ext uri="{FF2B5EF4-FFF2-40B4-BE49-F238E27FC236}">
-                <a16:creationId xmlns:a16="http://schemas.microsoft.com/office/drawing/2014/main" xmlns="" id="{DADAE2E2-E698-4B75-9D7F-FF2D60864B49}"/>
+                <a16:creationId xmlns:a16="http://schemas.microsoft.com/office/drawing/2014/main" id="{DADAE2E2-E698-4B75-9D7F-FF2D60864B49}"/>
               </a:ext>
             </a:extLst>
           </p:cNvPr>
@@ -2636,7 +2647,7 @@
           <a:p>
             <a:fld id="{83F10594-1B62-4B90-920A-44E63AFA5E18}" type="datetimeFigureOut">
               <a:rPr kumimoji="1" lang="ja-JP" altLang="en-US" smtClean="0"/>
-              <a:t>18/07/26</a:t>
+              <a:t>2018/7/30</a:t>
             </a:fld>
             <a:endParaRPr kumimoji="1" lang="ja-JP" altLang="en-US"/>
           </a:p>
@@ -2647,7 +2658,7 @@
           <p:cNvPr id="6" name="フッター プレースホルダー 5">
             <a:extLst>
               <a:ext uri="{FF2B5EF4-FFF2-40B4-BE49-F238E27FC236}">
-                <a16:creationId xmlns:a16="http://schemas.microsoft.com/office/drawing/2014/main" xmlns="" id="{AA333362-8A34-4BA9-A7DE-D7B52FDC7B03}"/>
+                <a16:creationId xmlns:a16="http://schemas.microsoft.com/office/drawing/2014/main" id="{AA333362-8A34-4BA9-A7DE-D7B52FDC7B03}"/>
               </a:ext>
             </a:extLst>
           </p:cNvPr>
@@ -2672,7 +2683,7 @@
           <p:cNvPr id="7" name="スライド番号プレースホルダー 6">
             <a:extLst>
               <a:ext uri="{FF2B5EF4-FFF2-40B4-BE49-F238E27FC236}">
-                <a16:creationId xmlns:a16="http://schemas.microsoft.com/office/drawing/2014/main" xmlns="" id="{0D8613AC-3E3B-4E04-A435-551CC1FC6277}"/>
+                <a16:creationId xmlns:a16="http://schemas.microsoft.com/office/drawing/2014/main" id="{0D8613AC-3E3B-4E04-A435-551CC1FC6277}"/>
               </a:ext>
             </a:extLst>
           </p:cNvPr>
@@ -2731,7 +2742,7 @@
           <p:cNvPr id="2" name="タイトル 1">
             <a:extLst>
               <a:ext uri="{FF2B5EF4-FFF2-40B4-BE49-F238E27FC236}">
-                <a16:creationId xmlns:a16="http://schemas.microsoft.com/office/drawing/2014/main" xmlns="" id="{337EDFD7-BCD5-45BD-B577-C3316718F339}"/>
+                <a16:creationId xmlns:a16="http://schemas.microsoft.com/office/drawing/2014/main" id="{337EDFD7-BCD5-45BD-B577-C3316718F339}"/>
               </a:ext>
             </a:extLst>
           </p:cNvPr>
@@ -2768,7 +2779,7 @@
           <p:cNvPr id="3" name="図プレースホルダー 2">
             <a:extLst>
               <a:ext uri="{FF2B5EF4-FFF2-40B4-BE49-F238E27FC236}">
-                <a16:creationId xmlns:a16="http://schemas.microsoft.com/office/drawing/2014/main" xmlns="" id="{891B5D57-DC98-4CF2-9231-95A45B41AAC8}"/>
+                <a16:creationId xmlns:a16="http://schemas.microsoft.com/office/drawing/2014/main" id="{891B5D57-DC98-4CF2-9231-95A45B41AAC8}"/>
               </a:ext>
             </a:extLst>
           </p:cNvPr>
@@ -2835,7 +2846,7 @@
           <p:cNvPr id="4" name="テキスト プレースホルダー 3">
             <a:extLst>
               <a:ext uri="{FF2B5EF4-FFF2-40B4-BE49-F238E27FC236}">
-                <a16:creationId xmlns:a16="http://schemas.microsoft.com/office/drawing/2014/main" xmlns="" id="{0EC31FBE-DC5A-4410-82FA-7C41B281F3EB}"/>
+                <a16:creationId xmlns:a16="http://schemas.microsoft.com/office/drawing/2014/main" id="{0EC31FBE-DC5A-4410-82FA-7C41B281F3EB}"/>
               </a:ext>
             </a:extLst>
           </p:cNvPr>
@@ -2906,7 +2917,7 @@
           <p:cNvPr id="5" name="日付プレースホルダー 4">
             <a:extLst>
               <a:ext uri="{FF2B5EF4-FFF2-40B4-BE49-F238E27FC236}">
-                <a16:creationId xmlns:a16="http://schemas.microsoft.com/office/drawing/2014/main" xmlns="" id="{CFD3CF11-F156-4B4C-B483-7178940AF04F}"/>
+                <a16:creationId xmlns:a16="http://schemas.microsoft.com/office/drawing/2014/main" id="{CFD3CF11-F156-4B4C-B483-7178940AF04F}"/>
               </a:ext>
             </a:extLst>
           </p:cNvPr>
@@ -2924,7 +2935,7 @@
           <a:p>
             <a:fld id="{83F10594-1B62-4B90-920A-44E63AFA5E18}" type="datetimeFigureOut">
               <a:rPr kumimoji="1" lang="ja-JP" altLang="en-US" smtClean="0"/>
-              <a:t>18/07/26</a:t>
+              <a:t>2018/7/30</a:t>
             </a:fld>
             <a:endParaRPr kumimoji="1" lang="ja-JP" altLang="en-US"/>
           </a:p>
@@ -2935,7 +2946,7 @@
           <p:cNvPr id="6" name="フッター プレースホルダー 5">
             <a:extLst>
               <a:ext uri="{FF2B5EF4-FFF2-40B4-BE49-F238E27FC236}">
-                <a16:creationId xmlns:a16="http://schemas.microsoft.com/office/drawing/2014/main" xmlns="" id="{E5FD4BF6-F4B8-4D47-A428-B4EF4EB84233}"/>
+                <a16:creationId xmlns:a16="http://schemas.microsoft.com/office/drawing/2014/main" id="{E5FD4BF6-F4B8-4D47-A428-B4EF4EB84233}"/>
               </a:ext>
             </a:extLst>
           </p:cNvPr>
@@ -2960,7 +2971,7 @@
           <p:cNvPr id="7" name="スライド番号プレースホルダー 6">
             <a:extLst>
               <a:ext uri="{FF2B5EF4-FFF2-40B4-BE49-F238E27FC236}">
-                <a16:creationId xmlns:a16="http://schemas.microsoft.com/office/drawing/2014/main" xmlns="" id="{EB9FE972-35BD-4DA7-AB04-DD730767964B}"/>
+                <a16:creationId xmlns:a16="http://schemas.microsoft.com/office/drawing/2014/main" id="{EB9FE972-35BD-4DA7-AB04-DD730767964B}"/>
               </a:ext>
             </a:extLst>
           </p:cNvPr>
@@ -3024,7 +3035,7 @@
           <p:cNvPr id="2" name="タイトル プレースホルダー 1">
             <a:extLst>
               <a:ext uri="{FF2B5EF4-FFF2-40B4-BE49-F238E27FC236}">
-                <a16:creationId xmlns:a16="http://schemas.microsoft.com/office/drawing/2014/main" xmlns="" id="{DD12E2DB-2FB0-4179-BB7A-70BF767AD1A9}"/>
+                <a16:creationId xmlns:a16="http://schemas.microsoft.com/office/drawing/2014/main" id="{DD12E2DB-2FB0-4179-BB7A-70BF767AD1A9}"/>
               </a:ext>
             </a:extLst>
           </p:cNvPr>
@@ -3062,7 +3073,7 @@
           <p:cNvPr id="3" name="テキスト プレースホルダー 2">
             <a:extLst>
               <a:ext uri="{FF2B5EF4-FFF2-40B4-BE49-F238E27FC236}">
-                <a16:creationId xmlns:a16="http://schemas.microsoft.com/office/drawing/2014/main" xmlns="" id="{438D41D4-83E7-4BDA-BEB3-A876FA08DDD6}"/>
+                <a16:creationId xmlns:a16="http://schemas.microsoft.com/office/drawing/2014/main" id="{438D41D4-83E7-4BDA-BEB3-A876FA08DDD6}"/>
               </a:ext>
             </a:extLst>
           </p:cNvPr>
@@ -3161,7 +3172,7 @@
           <p:cNvPr id="4" name="日付プレースホルダー 3">
             <a:extLst>
               <a:ext uri="{FF2B5EF4-FFF2-40B4-BE49-F238E27FC236}">
-                <a16:creationId xmlns:a16="http://schemas.microsoft.com/office/drawing/2014/main" xmlns="" id="{0E433CFC-DC7D-4F99-8E70-7A481EBEB1E1}"/>
+                <a16:creationId xmlns:a16="http://schemas.microsoft.com/office/drawing/2014/main" id="{0E433CFC-DC7D-4F99-8E70-7A481EBEB1E1}"/>
               </a:ext>
             </a:extLst>
           </p:cNvPr>
@@ -3197,7 +3208,7 @@
           <a:p>
             <a:fld id="{83F10594-1B62-4B90-920A-44E63AFA5E18}" type="datetimeFigureOut">
               <a:rPr kumimoji="1" lang="ja-JP" altLang="en-US" smtClean="0"/>
-              <a:t>18/07/26</a:t>
+              <a:t>2018/7/30</a:t>
             </a:fld>
             <a:endParaRPr kumimoji="1" lang="ja-JP" altLang="en-US"/>
           </a:p>
@@ -3208,7 +3219,7 @@
           <p:cNvPr id="5" name="フッター プレースホルダー 4">
             <a:extLst>
               <a:ext uri="{FF2B5EF4-FFF2-40B4-BE49-F238E27FC236}">
-                <a16:creationId xmlns:a16="http://schemas.microsoft.com/office/drawing/2014/main" xmlns="" id="{6B81CAFF-C1F6-4DCF-889B-70B9284A8205}"/>
+                <a16:creationId xmlns:a16="http://schemas.microsoft.com/office/drawing/2014/main" id="{6B81CAFF-C1F6-4DCF-889B-70B9284A8205}"/>
               </a:ext>
             </a:extLst>
           </p:cNvPr>
@@ -3251,7 +3262,7 @@
           <p:cNvPr id="6" name="スライド番号プレースホルダー 5">
             <a:extLst>
               <a:ext uri="{FF2B5EF4-FFF2-40B4-BE49-F238E27FC236}">
-                <a16:creationId xmlns:a16="http://schemas.microsoft.com/office/drawing/2014/main" xmlns="" id="{C3F78FC5-6E47-4346-A34A-B0090FE228A6}"/>
+                <a16:creationId xmlns:a16="http://schemas.microsoft.com/office/drawing/2014/main" id="{C3F78FC5-6E47-4346-A34A-B0090FE228A6}"/>
               </a:ext>
             </a:extLst>
           </p:cNvPr>
@@ -3619,7 +3630,7 @@
           <p:cNvPr id="23" name="図 22">
             <a:extLst>
               <a:ext uri="{FF2B5EF4-FFF2-40B4-BE49-F238E27FC236}">
-                <a16:creationId xmlns:a16="http://schemas.microsoft.com/office/drawing/2014/main" xmlns="" id="{C00650D5-198A-45F6-8F76-CCD03A557C8D}"/>
+                <a16:creationId xmlns:a16="http://schemas.microsoft.com/office/drawing/2014/main" id="{C00650D5-198A-45F6-8F76-CCD03A557C8D}"/>
               </a:ext>
             </a:extLst>
           </p:cNvPr>
@@ -3655,7 +3666,7 @@
           <p:cNvPr id="22" name="フローチャート: 処理 21">
             <a:extLst>
               <a:ext uri="{FF2B5EF4-FFF2-40B4-BE49-F238E27FC236}">
-                <a16:creationId xmlns:a16="http://schemas.microsoft.com/office/drawing/2014/main" xmlns="" id="{4CCE0672-8772-4262-8145-4E76921A887F}"/>
+                <a16:creationId xmlns:a16="http://schemas.microsoft.com/office/drawing/2014/main" id="{4CCE0672-8772-4262-8145-4E76921A887F}"/>
               </a:ext>
             </a:extLst>
           </p:cNvPr>
@@ -3713,10 +3724,6 @@
               <a:rPr lang="ja-JP" altLang="en-US" sz="1100" dirty="0"/>
               <a:t>サプライチェーンの参加者が各組織内に確立すべきコンプライアンスプログラム</a:t>
             </a:r>
-            <a:r>
-              <a:rPr lang="en-US" altLang="ja-JP" sz="1100" dirty="0"/>
-              <a:t/>
-            </a:r>
             <a:br>
               <a:rPr lang="en-US" altLang="ja-JP" sz="1100" dirty="0"/>
             </a:br>
@@ -3854,10 +3861,6 @@
             </a:r>
           </a:p>
           <a:p>
-            <a:r>
-              <a:rPr lang="en-US" altLang="ja-JP" sz="1100" dirty="0"/>
-              <a:t/>
-            </a:r>
             <a:br>
               <a:rPr lang="en-US" altLang="ja-JP" sz="1100" dirty="0"/>
             </a:br>
@@ -3871,7 +3874,7 @@
             </a:r>
             <a:r>
               <a:rPr lang="en-US" altLang="ja-JP" sz="1100" dirty="0"/>
-              <a:t>5</a:t>
+              <a:t>7</a:t>
             </a:r>
             <a:r>
               <a:rPr lang="ja-JP" altLang="en-US" sz="1100" dirty="0"/>
@@ -3885,15 +3888,7 @@
           <a:p>
             <a:r>
               <a:rPr lang="en-US" altLang="ja-JP" sz="1100" dirty="0"/>
-              <a:t>Adobe, Arm, Cisco, COMCAST, GitHub, </a:t>
-            </a:r>
-            <a:r>
-              <a:rPr lang="en-US" altLang="ja-JP" sz="1100" dirty="0" smtClean="0"/>
-              <a:t>Harman, </a:t>
-            </a:r>
-            <a:r>
-              <a:rPr lang="en-US" altLang="ja-JP" sz="1100" dirty="0"/>
-              <a:t>Hitachi, </a:t>
+              <a:t>Adobe, Arm, Cisco, COMCAST, GitHub, Harman, Hitachi, </a:t>
             </a:r>
           </a:p>
           <a:p>
@@ -3918,7 +3913,7 @@
           <p:cNvPr id="13" name="図 12">
             <a:extLst>
               <a:ext uri="{FF2B5EF4-FFF2-40B4-BE49-F238E27FC236}">
-                <a16:creationId xmlns:a16="http://schemas.microsoft.com/office/drawing/2014/main" xmlns="" id="{425E1792-D999-42B9-84AE-53113CAD37F3}"/>
+                <a16:creationId xmlns:a16="http://schemas.microsoft.com/office/drawing/2014/main" id="{425E1792-D999-42B9-84AE-53113CAD37F3}"/>
               </a:ext>
             </a:extLst>
           </p:cNvPr>
@@ -3954,7 +3949,7 @@
           <p:cNvPr id="31" name="フローチャート: 処理 30">
             <a:extLst>
               <a:ext uri="{FF2B5EF4-FFF2-40B4-BE49-F238E27FC236}">
-                <a16:creationId xmlns:a16="http://schemas.microsoft.com/office/drawing/2014/main" xmlns="" id="{ECFF2D5B-FC6B-4011-BDF2-AE3E8986DA3D}"/>
+                <a16:creationId xmlns:a16="http://schemas.microsoft.com/office/drawing/2014/main" id="{ECFF2D5B-FC6B-4011-BDF2-AE3E8986DA3D}"/>
               </a:ext>
             </a:extLst>
           </p:cNvPr>
@@ -4018,10 +4013,6 @@
               </a:rPr>
               <a:t>https://lists.linuxfoundation.org/mailman/listinfo/openchain-japan-wg</a:t>
             </a:r>
-            <a:r>
-              <a:rPr lang="en-US" altLang="ja-JP" sz="1100" u="sng" dirty="0"/>
-              <a:t/>
-            </a:r>
             <a:br>
               <a:rPr lang="en-US" altLang="ja-JP" sz="1100" u="sng" dirty="0"/>
             </a:br>
@@ -4052,10 +4043,6 @@
               <a:rPr lang="ja-JP" altLang="ja-JP" sz="1100" dirty="0"/>
               <a:t>で登録していただいたアドレスに、</a:t>
             </a:r>
-            <a:r>
-              <a:rPr lang="en-US" altLang="ja-JP" sz="1100" dirty="0"/>
-              <a:t/>
-            </a:r>
             <a:br>
               <a:rPr lang="en-US" altLang="ja-JP" sz="1100" dirty="0"/>
             </a:br>
@@ -4078,10 +4065,6 @@
             <a:r>
               <a:rPr lang="en-US" altLang="ja-JP" sz="1100" b="1" i="1" dirty="0"/>
               <a:t> mailing list</a:t>
-            </a:r>
-            <a:r>
-              <a:rPr lang="en-US" altLang="ja-JP" sz="1100" dirty="0"/>
-              <a:t/>
             </a:r>
             <a:br>
               <a:rPr lang="en-US" altLang="ja-JP" sz="1100" dirty="0"/>
@@ -4124,6 +4107,10 @@
               <a:buAutoNum type="circleNumDbPlain"/>
             </a:pPr>
             <a:r>
+              <a:rPr lang="ja-JP" altLang="en-US" sz="1100" dirty="0"/>
+              <a:t>承認</a:t>
+            </a:r>
+            <a:r>
               <a:rPr lang="ja-JP" altLang="ja-JP" sz="1100" dirty="0"/>
               <a:t>依頼メールが</a:t>
             </a:r>
@@ -4149,10 +4136,6 @@
               <a:rPr lang="ja-JP" altLang="ja-JP" sz="1100" dirty="0"/>
               <a:t>承認操作が完了しますと</a:t>
             </a:r>
-            <a:r>
-              <a:rPr lang="en-US" altLang="ja-JP" sz="1100" dirty="0"/>
-              <a:t/>
-            </a:r>
             <a:br>
               <a:rPr lang="en-US" altLang="ja-JP" sz="1100" dirty="0"/>
             </a:br>
@@ -4176,10 +4159,6 @@
               <a:rPr lang="en-US" altLang="ja-JP" sz="1100" b="1" i="1" dirty="0"/>
               <a:t>” mailing list</a:t>
             </a:r>
-            <a:r>
-              <a:rPr lang="en-US" altLang="ja-JP" sz="1100" dirty="0"/>
-              <a:t/>
-            </a:r>
             <a:br>
               <a:rPr lang="en-US" altLang="ja-JP" sz="1100" dirty="0"/>
             </a:br>
@@ -4222,7 +4201,7 @@
           <p:cNvPr id="5" name="図 4">
             <a:extLst>
               <a:ext uri="{FF2B5EF4-FFF2-40B4-BE49-F238E27FC236}">
-                <a16:creationId xmlns:a16="http://schemas.microsoft.com/office/drawing/2014/main" xmlns="" id="{CA707440-63A7-4A68-A5FC-1818E2B61AB6}"/>
+                <a16:creationId xmlns:a16="http://schemas.microsoft.com/office/drawing/2014/main" id="{CA707440-63A7-4A68-A5FC-1818E2B61AB6}"/>
               </a:ext>
             </a:extLst>
           </p:cNvPr>
@@ -4258,7 +4237,7 @@
           <p:cNvPr id="11" name="図 10">
             <a:extLst>
               <a:ext uri="{FF2B5EF4-FFF2-40B4-BE49-F238E27FC236}">
-                <a16:creationId xmlns:a16="http://schemas.microsoft.com/office/drawing/2014/main" xmlns="" id="{AD3F2B6C-A3FB-4A88-93B2-FC4A1C7B0C64}"/>
+                <a16:creationId xmlns:a16="http://schemas.microsoft.com/office/drawing/2014/main" id="{AD3F2B6C-A3FB-4A88-93B2-FC4A1C7B0C64}"/>
               </a:ext>
             </a:extLst>
           </p:cNvPr>
@@ -4294,7 +4273,7 @@
           <p:cNvPr id="21" name="フローチャート: 処理 20">
             <a:extLst>
               <a:ext uri="{FF2B5EF4-FFF2-40B4-BE49-F238E27FC236}">
-                <a16:creationId xmlns:a16="http://schemas.microsoft.com/office/drawing/2014/main" xmlns="" id="{E12A9AD0-3E8C-4903-B74C-14F9837F8256}"/>
+                <a16:creationId xmlns:a16="http://schemas.microsoft.com/office/drawing/2014/main" id="{E12A9AD0-3E8C-4903-B74C-14F9837F8256}"/>
               </a:ext>
             </a:extLst>
           </p:cNvPr>
@@ -4392,7 +4371,7 @@
           <p:cNvPr id="7" name="Shape 53">
             <a:extLst>
               <a:ext uri="{FF2B5EF4-FFF2-40B4-BE49-F238E27FC236}">
-                <a16:creationId xmlns:a16="http://schemas.microsoft.com/office/drawing/2014/main" xmlns="" id="{740E5A53-C12F-42B7-BD46-ED849C0410B4}"/>
+                <a16:creationId xmlns:a16="http://schemas.microsoft.com/office/drawing/2014/main" id="{740E5A53-C12F-42B7-BD46-ED849C0410B4}"/>
               </a:ext>
             </a:extLst>
           </p:cNvPr>
@@ -4425,7 +4404,7 @@
           <p:cNvPr id="26" name="フローチャート: 処理 25">
             <a:extLst>
               <a:ext uri="{FF2B5EF4-FFF2-40B4-BE49-F238E27FC236}">
-                <a16:creationId xmlns:a16="http://schemas.microsoft.com/office/drawing/2014/main" xmlns="" id="{D8EBF979-130F-4766-8F0E-9DAA34A01312}"/>
+                <a16:creationId xmlns:a16="http://schemas.microsoft.com/office/drawing/2014/main" id="{D8EBF979-130F-4766-8F0E-9DAA34A01312}"/>
               </a:ext>
             </a:extLst>
           </p:cNvPr>
@@ -4543,7 +4522,7 @@
           <p:cNvPr id="28" name="テキスト ボックス 27">
             <a:extLst>
               <a:ext uri="{FF2B5EF4-FFF2-40B4-BE49-F238E27FC236}">
-                <a16:creationId xmlns:a16="http://schemas.microsoft.com/office/drawing/2014/main" xmlns="" id="{DB733CDB-9111-40FA-A721-698F821A0765}"/>
+                <a16:creationId xmlns:a16="http://schemas.microsoft.com/office/drawing/2014/main" id="{DB733CDB-9111-40FA-A721-698F821A0765}"/>
               </a:ext>
             </a:extLst>
           </p:cNvPr>
@@ -4581,7 +4560,7 @@
           <p:cNvPr id="29" name="フローチャート: 処理 28">
             <a:extLst>
               <a:ext uri="{FF2B5EF4-FFF2-40B4-BE49-F238E27FC236}">
-                <a16:creationId xmlns:a16="http://schemas.microsoft.com/office/drawing/2014/main" xmlns="" id="{274077B5-CC18-425F-913A-26F3345ADB9A}"/>
+                <a16:creationId xmlns:a16="http://schemas.microsoft.com/office/drawing/2014/main" id="{274077B5-CC18-425F-913A-26F3345ADB9A}"/>
               </a:ext>
             </a:extLst>
           </p:cNvPr>
@@ -4636,10 +4615,6 @@
               <a:rPr lang="ja-JP" altLang="en-US" sz="1100" dirty="0"/>
               <a:t>では、メーリングリストでの議論や、定期的にミーティングを</a:t>
             </a:r>
-            <a:r>
-              <a:rPr lang="en-US" altLang="ja-JP" sz="1100" dirty="0"/>
-              <a:t/>
-            </a:r>
             <a:br>
               <a:rPr lang="en-US" altLang="ja-JP" sz="1100" dirty="0"/>
             </a:br>
@@ -4832,7 +4807,7 @@
           <p:cNvPr id="30" name="テキスト ボックス 29">
             <a:extLst>
               <a:ext uri="{FF2B5EF4-FFF2-40B4-BE49-F238E27FC236}">
-                <a16:creationId xmlns:a16="http://schemas.microsoft.com/office/drawing/2014/main" xmlns="" id="{0D7E0406-C4BD-4D88-8884-D4AC279FAFB7}"/>
+                <a16:creationId xmlns:a16="http://schemas.microsoft.com/office/drawing/2014/main" id="{0D7E0406-C4BD-4D88-8884-D4AC279FAFB7}"/>
               </a:ext>
             </a:extLst>
           </p:cNvPr>
@@ -4880,7 +4855,7 @@
           <p:cNvPr id="32" name="図 31">
             <a:extLst>
               <a:ext uri="{FF2B5EF4-FFF2-40B4-BE49-F238E27FC236}">
-                <a16:creationId xmlns:a16="http://schemas.microsoft.com/office/drawing/2014/main" xmlns="" id="{233F546B-FF86-4A31-A220-839A7503C91C}"/>
+                <a16:creationId xmlns:a16="http://schemas.microsoft.com/office/drawing/2014/main" id="{233F546B-FF86-4A31-A220-839A7503C91C}"/>
               </a:ext>
             </a:extLst>
           </p:cNvPr>
@@ -4916,7 +4891,7 @@
           <p:cNvPr id="34" name="図 33">
             <a:extLst>
               <a:ext uri="{FF2B5EF4-FFF2-40B4-BE49-F238E27FC236}">
-                <a16:creationId xmlns:a16="http://schemas.microsoft.com/office/drawing/2014/main" xmlns="" id="{64F47E7C-658F-4406-9EE6-004F1B74232D}"/>
+                <a16:creationId xmlns:a16="http://schemas.microsoft.com/office/drawing/2014/main" id="{64F47E7C-658F-4406-9EE6-004F1B74232D}"/>
               </a:ext>
             </a:extLst>
           </p:cNvPr>
@@ -4957,7 +4932,7 @@
           <p:cNvPr id="38" name="図 37">
             <a:extLst>
               <a:ext uri="{FF2B5EF4-FFF2-40B4-BE49-F238E27FC236}">
-                <a16:creationId xmlns:a16="http://schemas.microsoft.com/office/drawing/2014/main" xmlns="" id="{84A95467-78EC-4C89-85D0-019176E39640}"/>
+                <a16:creationId xmlns:a16="http://schemas.microsoft.com/office/drawing/2014/main" id="{84A95467-78EC-4C89-85D0-019176E39640}"/>
               </a:ext>
             </a:extLst>
           </p:cNvPr>
@@ -4998,7 +4973,7 @@
           <p:cNvPr id="39" name="テキスト ボックス 38">
             <a:extLst>
               <a:ext uri="{FF2B5EF4-FFF2-40B4-BE49-F238E27FC236}">
-                <a16:creationId xmlns:a16="http://schemas.microsoft.com/office/drawing/2014/main" xmlns="" id="{D2A71918-342D-48D9-815C-0C33727FDA6D}"/>
+                <a16:creationId xmlns:a16="http://schemas.microsoft.com/office/drawing/2014/main" id="{D2A71918-342D-48D9-815C-0C33727FDA6D}"/>
               </a:ext>
             </a:extLst>
           </p:cNvPr>
@@ -5035,7 +5010,7 @@
           <p:cNvPr id="3" name="図 2">
             <a:extLst>
               <a:ext uri="{FF2B5EF4-FFF2-40B4-BE49-F238E27FC236}">
-                <a16:creationId xmlns:a16="http://schemas.microsoft.com/office/drawing/2014/main" xmlns="" id="{B5D70070-64F5-4F2E-95D3-581B99C363C2}"/>
+                <a16:creationId xmlns:a16="http://schemas.microsoft.com/office/drawing/2014/main" id="{B5D70070-64F5-4F2E-95D3-581B99C363C2}"/>
               </a:ext>
             </a:extLst>
           </p:cNvPr>
@@ -5071,7 +5046,7 @@
           <p:cNvPr id="24" name="フローチャート: 処理 23">
             <a:extLst>
               <a:ext uri="{FF2B5EF4-FFF2-40B4-BE49-F238E27FC236}">
-                <a16:creationId xmlns:a16="http://schemas.microsoft.com/office/drawing/2014/main" xmlns="" id="{B444897E-D154-4AC8-A66D-99416D3C7DE8}"/>
+                <a16:creationId xmlns:a16="http://schemas.microsoft.com/office/drawing/2014/main" id="{B444897E-D154-4AC8-A66D-99416D3C7DE8}"/>
               </a:ext>
             </a:extLst>
           </p:cNvPr>
@@ -5136,7 +5111,7 @@
           <p:cNvPr id="19" name="図 18">
             <a:extLst>
               <a:ext uri="{FF2B5EF4-FFF2-40B4-BE49-F238E27FC236}">
-                <a16:creationId xmlns:a16="http://schemas.microsoft.com/office/drawing/2014/main" xmlns="" id="{8C9DA080-8DE7-4F39-A6D4-FEF395625902}"/>
+                <a16:creationId xmlns:a16="http://schemas.microsoft.com/office/drawing/2014/main" id="{8C9DA080-8DE7-4F39-A6D4-FEF395625902}"/>
               </a:ext>
             </a:extLst>
           </p:cNvPr>
@@ -5172,7 +5147,7 @@
           <p:cNvPr id="25" name="テキスト ボックス 24">
             <a:extLst>
               <a:ext uri="{FF2B5EF4-FFF2-40B4-BE49-F238E27FC236}">
-                <a16:creationId xmlns:a16="http://schemas.microsoft.com/office/drawing/2014/main" xmlns="" id="{705A0514-A8E6-458C-ACE1-C2C7363EAC26}"/>
+                <a16:creationId xmlns:a16="http://schemas.microsoft.com/office/drawing/2014/main" id="{705A0514-A8E6-458C-ACE1-C2C7363EAC26}"/>
               </a:ext>
             </a:extLst>
           </p:cNvPr>
@@ -5507,7 +5482,7 @@
   <a:extraClrSchemeLst/>
   <a:extLst>
     <a:ext uri="{05A4C25C-085E-4340-85A3-A5531E510DB2}">
-      <thm15:themeFamily xmlns:thm15="http://schemas.microsoft.com/office/thememl/2012/main" xmlns="" name="Office Theme" id="{62F939B6-93AF-4DB8-9C6B-D6C7DFDC589F}" vid="{4A3C46E8-61CC-4603-A589-7422A47A8E4A}"/>
+      <thm15:themeFamily xmlns:thm15="http://schemas.microsoft.com/office/thememl/2012/main" name="Office Theme" id="{62F939B6-93AF-4DB8-9C6B-D6C7DFDC589F}" vid="{4A3C46E8-61CC-4603-A589-7422A47A8E4A}"/>
     </a:ext>
   </a:extLst>
 </a:theme>
